--- a/TurmaDK_Grupo05_relatorio.PPT.pptx
+++ b/TurmaDK_Grupo05_relatorio.PPT.pptx
@@ -9,7 +9,7 @@
   </p:notesMasterIdLst>
   <p:sldIdLst>
     <p:sldId id="256" r:id="rId2"/>
-    <p:sldId id="257" r:id="rId3"/>
+    <p:sldId id="258" r:id="rId3"/>
     <p:sldId id="264" r:id="rId4"/>
     <p:sldId id="261" r:id="rId5"/>
     <p:sldId id="262" r:id="rId6"/>
@@ -34,7 +34,7 @@
       <p:boldItalic r:id="rId17"/>
     </p:embeddedFont>
     <p:embeddedFont>
-      <p:font typeface="Roboto Condensed" panose="02000000000000000000" pitchFamily="2" charset="0"/>
+      <p:font typeface="Roboto Condensed" panose="020B0604020202020204" charset="0"/>
       <p:regular r:id="rId18"/>
       <p:bold r:id="rId19"/>
       <p:italic r:id="rId20"/>
@@ -281,6 +281,11 @@
       </a:defRPr>
     </a:lvl9pPr>
   </p:defaultTextStyle>
+  <p:extLst>
+    <p:ext uri="{EFAFB233-063F-42B5-8137-9DF3F51BA10A}">
+      <p15:sldGuideLst xmlns:p15="http://schemas.microsoft.com/office/powerpoint/2012/main"/>
+    </p:ext>
+  </p:extLst>
 </p:presentation>
 </file>
 
@@ -834,7 +839,7 @@
   <p:cSld>
     <p:spTree>
       <p:nvGrpSpPr>
-        <p:cNvPr id="1" name="Shape 137"/>
+        <p:cNvPr id="1" name="Shape 146"/>
         <p:cNvGrpSpPr/>
         <p:nvPr/>
       </p:nvGrpSpPr>
@@ -848,7 +853,7 @@
       </p:grpSpPr>
       <p:sp>
         <p:nvSpPr>
-          <p:cNvPr id="138" name="Google Shape;138;g6d26824ba9_0_0:notes"/>
+          <p:cNvPr id="147" name="Google Shape;147;g340422e078_0_20:notes"/>
           <p:cNvSpPr>
             <a:spLocks noGrp="1" noRot="1" noChangeAspect="1"/>
           </p:cNvSpPr>
@@ -889,7 +894,7 @@
       </p:sp>
       <p:sp>
         <p:nvSpPr>
-          <p:cNvPr id="139" name="Google Shape;139;g6d26824ba9_0_0:notes"/>
+          <p:cNvPr id="148" name="Google Shape;148;g340422e078_0_20:notes"/>
           <p:cNvSpPr txBox="1">
             <a:spLocks noGrp="1"/>
           </p:cNvSpPr>
@@ -16581,7 +16586,7 @@
         <p:fade/>
       </p:transition>
     </mc:Choice>
-    <mc:Fallback xmlns:p15="http://schemas.microsoft.com/office/powerpoint/2012/main" xmlns:com="http://schemas.openxmlformats.org/drawingml/2006/compatibility" xmlns:pvml="urn:schemas-microsoft-com:office:powerpoint" xmlns:v="urn:schemas-microsoft-com:vml" xmlns:o="urn:schemas-microsoft-com:office:office" xmlns:dgm="http://schemas.openxmlformats.org/drawingml/2006/diagram" xmlns:c="http://schemas.openxmlformats.org/drawingml/2006/chart" xmlns:mv="urn:schemas-microsoft-com:mac:vml" xmlns="">
+    <mc:Fallback xmlns="" xmlns:mv="urn:schemas-microsoft-com:mac:vml" xmlns:c="http://schemas.openxmlformats.org/drawingml/2006/chart" xmlns:dgm="http://schemas.openxmlformats.org/drawingml/2006/diagram" xmlns:o="urn:schemas-microsoft-com:office:office" xmlns:v="urn:schemas-microsoft-com:vml" xmlns:pvml="urn:schemas-microsoft-com:office:powerpoint" xmlns:com="http://schemas.openxmlformats.org/drawingml/2006/compatibility" xmlns:p15="http://schemas.microsoft.com/office/powerpoint/2012/main">
       <p:transition spd="slow">
         <p:fade/>
       </p:transition>
@@ -17763,7 +17768,7 @@
   <p:cSld>
     <p:spTree>
       <p:nvGrpSpPr>
-        <p:cNvPr id="1" name="Shape 140"/>
+        <p:cNvPr id="1" name="Shape 149"/>
         <p:cNvGrpSpPr/>
         <p:nvPr/>
       </p:nvGrpSpPr>
@@ -17777,7 +17782,7 @@
       </p:grpSpPr>
       <p:sp>
         <p:nvSpPr>
-          <p:cNvPr id="141" name="Google Shape;141;p27"/>
+          <p:cNvPr id="150" name="Google Shape;150;p30"/>
           <p:cNvSpPr txBox="1">
             <a:spLocks noGrp="1"/>
           </p:cNvSpPr>
@@ -17787,8 +17792,50 @@
         </p:nvSpPr>
         <p:spPr>
           <a:xfrm>
-            <a:off x="1135981" y="800762"/>
-            <a:ext cx="6886800" cy="1782300"/>
+            <a:off x="3385875" y="2098650"/>
+            <a:ext cx="2372400" cy="946200"/>
+          </a:xfrm>
+          <a:prstGeom prst="rect">
+            <a:avLst/>
+          </a:prstGeom>
+        </p:spPr>
+        <p:txBody>
+          <a:bodyPr spcFirstLastPara="1" wrap="square" lIns="91425" tIns="91425" rIns="91425" bIns="91425" anchor="ctr" anchorCtr="0">
+            <a:noAutofit/>
+          </a:bodyPr>
+          <a:lstStyle/>
+          <a:p>
+            <a:pPr marL="0" lvl="0" indent="0" algn="ctr" rtl="0">
+              <a:spcBef>
+                <a:spcPts val="0"/>
+              </a:spcBef>
+              <a:spcAft>
+                <a:spcPts val="0"/>
+              </a:spcAft>
+              <a:buNone/>
+            </a:pPr>
+            <a:r>
+              <a:rPr lang="en" dirty="0"/>
+              <a:t>CONTEÚDO</a:t>
+            </a:r>
+            <a:endParaRPr dirty="0"/>
+          </a:p>
+        </p:txBody>
+      </p:sp>
+      <p:sp>
+        <p:nvSpPr>
+          <p:cNvPr id="151" name="Google Shape;151;p30"/>
+          <p:cNvSpPr txBox="1">
+            <a:spLocks noGrp="1"/>
+          </p:cNvSpPr>
+          <p:nvPr>
+            <p:ph type="ctrTitle" idx="2"/>
+          </p:nvPr>
+        </p:nvSpPr>
+        <p:spPr>
+          <a:xfrm>
+            <a:off x="390296" y="201653"/>
+            <a:ext cx="1974300" cy="577800"/>
           </a:xfrm>
           <a:prstGeom prst="rect">
             <a:avLst/>
@@ -17810,57 +17857,275 @@
               <a:buNone/>
             </a:pPr>
             <a:r>
-              <a:rPr lang="en" dirty="0"/>
-              <a:t>Índice</a:t>
+              <a:rPr lang="pt-PT" dirty="0"/>
+              <a:t>PROBLEMA</a:t>
             </a:r>
             <a:endParaRPr dirty="0"/>
           </a:p>
         </p:txBody>
       </p:sp>
-      <p:pic>
-        <p:nvPicPr>
-          <p:cNvPr id="143" name="Google Shape;143;p27"/>
-          <p:cNvPicPr preferRelativeResize="0"/>
-          <p:nvPr/>
-        </p:nvPicPr>
-        <p:blipFill>
-          <a:blip r:embed="rId3">
-            <a:alphaModFix/>
-          </a:blip>
-          <a:stretch>
-            <a:fillRect/>
-          </a:stretch>
-        </p:blipFill>
+      <p:sp>
+        <p:nvSpPr>
+          <p:cNvPr id="152" name="Google Shape;152;p30"/>
+          <p:cNvSpPr txBox="1">
+            <a:spLocks noGrp="1"/>
+          </p:cNvSpPr>
+          <p:nvPr>
+            <p:ph type="subTitle" idx="1"/>
+          </p:nvPr>
+        </p:nvSpPr>
         <p:spPr>
           <a:xfrm>
-            <a:off x="44825" y="4569300"/>
-            <a:ext cx="1934141" cy="574200"/>
+            <a:off x="690446" y="656478"/>
+            <a:ext cx="1674300" cy="572400"/>
           </a:xfrm>
           <a:prstGeom prst="rect">
             <a:avLst/>
           </a:prstGeom>
-          <a:noFill/>
-          <a:ln>
-            <a:noFill/>
-          </a:ln>
         </p:spPr>
-      </p:pic>
+        <p:txBody>
+          <a:bodyPr spcFirstLastPara="1" wrap="square" lIns="91425" tIns="91425" rIns="91425" bIns="91425" anchor="t" anchorCtr="0">
+            <a:noAutofit/>
+          </a:bodyPr>
+          <a:lstStyle/>
+          <a:p>
+            <a:pPr marL="0" lvl="0" indent="0" algn="r" rtl="0">
+              <a:spcBef>
+                <a:spcPts val="0"/>
+              </a:spcBef>
+              <a:spcAft>
+                <a:spcPts val="0"/>
+              </a:spcAft>
+              <a:buNone/>
+            </a:pPr>
+            <a:r>
+              <a:rPr lang="pt-PT" dirty="0"/>
+              <a:t>O que nos foi preposto resolver</a:t>
+            </a:r>
+            <a:endParaRPr dirty="0"/>
+          </a:p>
+        </p:txBody>
+      </p:sp>
+      <p:sp>
+        <p:nvSpPr>
+          <p:cNvPr id="153" name="Google Shape;153;p30"/>
+          <p:cNvSpPr txBox="1">
+            <a:spLocks noGrp="1"/>
+          </p:cNvSpPr>
+          <p:nvPr>
+            <p:ph type="ctrTitle" idx="9"/>
+          </p:nvPr>
+        </p:nvSpPr>
+        <p:spPr>
+          <a:xfrm>
+            <a:off x="390296" y="1167854"/>
+            <a:ext cx="1974300" cy="577800"/>
+          </a:xfrm>
+          <a:prstGeom prst="rect">
+            <a:avLst/>
+          </a:prstGeom>
+        </p:spPr>
+        <p:txBody>
+          <a:bodyPr spcFirstLastPara="1" wrap="square" lIns="91425" tIns="91425" rIns="91425" bIns="91425" anchor="b" anchorCtr="0">
+            <a:noAutofit/>
+          </a:bodyPr>
+          <a:lstStyle/>
+          <a:p>
+            <a:pPr marL="0" lvl="0" indent="0" algn="r" rtl="0">
+              <a:spcBef>
+                <a:spcPts val="0"/>
+              </a:spcBef>
+              <a:spcAft>
+                <a:spcPts val="0"/>
+              </a:spcAft>
+              <a:buNone/>
+            </a:pPr>
+            <a:r>
+              <a:rPr lang="pt-PT" dirty="0"/>
+              <a:t>CARACTERIZAÇÃO DO NEGÓCIO</a:t>
+            </a:r>
+            <a:endParaRPr dirty="0"/>
+          </a:p>
+        </p:txBody>
+      </p:sp>
+      <p:sp>
+        <p:nvSpPr>
+          <p:cNvPr id="154" name="Google Shape;154;p30"/>
+          <p:cNvSpPr txBox="1">
+            <a:spLocks noGrp="1"/>
+          </p:cNvSpPr>
+          <p:nvPr>
+            <p:ph type="subTitle" idx="13"/>
+          </p:nvPr>
+        </p:nvSpPr>
+        <p:spPr>
+          <a:xfrm>
+            <a:off x="690446" y="1622677"/>
+            <a:ext cx="1674300" cy="572400"/>
+          </a:xfrm>
+          <a:prstGeom prst="rect">
+            <a:avLst/>
+          </a:prstGeom>
+        </p:spPr>
+        <p:txBody>
+          <a:bodyPr spcFirstLastPara="1" wrap="square" lIns="91425" tIns="91425" rIns="91425" bIns="91425" anchor="t" anchorCtr="0">
+            <a:noAutofit/>
+          </a:bodyPr>
+          <a:lstStyle/>
+          <a:p>
+            <a:pPr marL="0" lvl="0" indent="0" algn="r" rtl="0">
+              <a:spcBef>
+                <a:spcPts val="0"/>
+              </a:spcBef>
+              <a:spcAft>
+                <a:spcPts val="0"/>
+              </a:spcAft>
+              <a:buNone/>
+            </a:pPr>
+            <a:r>
+              <a:rPr lang="pt-PT" dirty="0"/>
+              <a:t>Principais necessidades identificadas</a:t>
+            </a:r>
+            <a:endParaRPr dirty="0"/>
+          </a:p>
+        </p:txBody>
+      </p:sp>
+      <p:sp>
+        <p:nvSpPr>
+          <p:cNvPr id="155" name="Google Shape;155;p30"/>
+          <p:cNvSpPr txBox="1">
+            <a:spLocks noGrp="1"/>
+          </p:cNvSpPr>
+          <p:nvPr>
+            <p:ph type="title" idx="3"/>
+          </p:nvPr>
+        </p:nvSpPr>
+        <p:spPr>
+          <a:xfrm>
+            <a:off x="2118448" y="544448"/>
+            <a:ext cx="1107600" cy="577800"/>
+          </a:xfrm>
+          <a:prstGeom prst="rect">
+            <a:avLst/>
+          </a:prstGeom>
+        </p:spPr>
+        <p:txBody>
+          <a:bodyPr spcFirstLastPara="1" wrap="square" lIns="91425" tIns="91425" rIns="91425" bIns="91425" anchor="ctr" anchorCtr="0">
+            <a:noAutofit/>
+          </a:bodyPr>
+          <a:lstStyle/>
+          <a:p>
+            <a:pPr marL="0" lvl="0" indent="0" algn="r" rtl="0">
+              <a:spcBef>
+                <a:spcPts val="0"/>
+              </a:spcBef>
+              <a:spcAft>
+                <a:spcPts val="0"/>
+              </a:spcAft>
+              <a:buNone/>
+            </a:pPr>
+            <a:r>
+              <a:rPr lang="en"/>
+              <a:t>01</a:t>
+            </a:r>
+            <a:endParaRPr/>
+          </a:p>
+        </p:txBody>
+      </p:sp>
+      <p:sp>
+        <p:nvSpPr>
+          <p:cNvPr id="156" name="Google Shape;156;p30"/>
+          <p:cNvSpPr txBox="1">
+            <a:spLocks noGrp="1"/>
+          </p:cNvSpPr>
+          <p:nvPr>
+            <p:ph type="title" idx="5"/>
+          </p:nvPr>
+        </p:nvSpPr>
+        <p:spPr>
+          <a:xfrm>
+            <a:off x="2105406" y="2487168"/>
+            <a:ext cx="1107600" cy="577800"/>
+          </a:xfrm>
+          <a:prstGeom prst="rect">
+            <a:avLst/>
+          </a:prstGeom>
+        </p:spPr>
+        <p:txBody>
+          <a:bodyPr spcFirstLastPara="1" wrap="square" lIns="91425" tIns="91425" rIns="91425" bIns="91425" anchor="ctr" anchorCtr="0">
+            <a:noAutofit/>
+          </a:bodyPr>
+          <a:lstStyle/>
+          <a:p>
+            <a:pPr marL="0" lvl="0" indent="0" algn="r" rtl="0">
+              <a:spcBef>
+                <a:spcPts val="0"/>
+              </a:spcBef>
+              <a:spcAft>
+                <a:spcPts val="0"/>
+              </a:spcAft>
+              <a:buNone/>
+            </a:pPr>
+            <a:r>
+              <a:rPr lang="en"/>
+              <a:t>03</a:t>
+            </a:r>
+            <a:endParaRPr/>
+          </a:p>
+        </p:txBody>
+      </p:sp>
+      <p:sp>
+        <p:nvSpPr>
+          <p:cNvPr id="157" name="Google Shape;157;p30"/>
+          <p:cNvSpPr txBox="1">
+            <a:spLocks noGrp="1"/>
+          </p:cNvSpPr>
+          <p:nvPr>
+            <p:ph type="title" idx="4"/>
+          </p:nvPr>
+        </p:nvSpPr>
+        <p:spPr>
+          <a:xfrm>
+            <a:off x="2105406" y="1515808"/>
+            <a:ext cx="1107600" cy="577800"/>
+          </a:xfrm>
+          <a:prstGeom prst="rect">
+            <a:avLst/>
+          </a:prstGeom>
+        </p:spPr>
+        <p:txBody>
+          <a:bodyPr spcFirstLastPara="1" wrap="square" lIns="91425" tIns="91425" rIns="91425" bIns="91425" anchor="ctr" anchorCtr="0">
+            <a:noAutofit/>
+          </a:bodyPr>
+          <a:lstStyle/>
+          <a:p>
+            <a:pPr marL="0" lvl="0" indent="0" algn="r" rtl="0">
+              <a:spcBef>
+                <a:spcPts val="0"/>
+              </a:spcBef>
+              <a:spcAft>
+                <a:spcPts val="0"/>
+              </a:spcAft>
+              <a:buNone/>
+            </a:pPr>
+            <a:r>
+              <a:rPr lang="en"/>
+              <a:t>02</a:t>
+            </a:r>
+            <a:endParaRPr/>
+          </a:p>
+        </p:txBody>
+      </p:sp>
       <p:cxnSp>
         <p:nvCxnSpPr>
-          <p:cNvPr id="7" name="Google Shape;134;p26">
-            <a:extLst>
-              <a:ext uri="{FF2B5EF4-FFF2-40B4-BE49-F238E27FC236}">
-                <a16:creationId xmlns:a16="http://schemas.microsoft.com/office/drawing/2014/main" id="{025D7962-F4E1-41F6-8D5E-DD72A6FC91E6}"/>
-              </a:ext>
-            </a:extLst>
-          </p:cNvPr>
+          <p:cNvPr id="158" name="Google Shape;158;p30"/>
           <p:cNvCxnSpPr/>
           <p:nvPr/>
         </p:nvCxnSpPr>
         <p:spPr>
           <a:xfrm>
-            <a:off x="7057375" y="2585138"/>
-            <a:ext cx="2086500" cy="0"/>
+            <a:off x="3297225" y="0"/>
+            <a:ext cx="0" cy="2393700"/>
           </a:xfrm>
           <a:prstGeom prst="straightConnector1">
             <a:avLst/>
@@ -17868,7 +18133,33 @@
           <a:noFill/>
           <a:ln w="9525" cap="flat" cmpd="sng">
             <a:solidFill>
-              <a:schemeClr val="dk1"/>
+              <a:schemeClr val="dk2"/>
+            </a:solidFill>
+            <a:prstDash val="solid"/>
+            <a:round/>
+            <a:headEnd type="none" w="med" len="med"/>
+            <a:tailEnd type="none" w="med" len="med"/>
+          </a:ln>
+        </p:spPr>
+      </p:cxnSp>
+      <p:cxnSp>
+        <p:nvCxnSpPr>
+          <p:cNvPr id="159" name="Google Shape;159;p30"/>
+          <p:cNvCxnSpPr/>
+          <p:nvPr/>
+        </p:nvCxnSpPr>
+        <p:spPr>
+          <a:xfrm>
+            <a:off x="5861950" y="3131400"/>
+            <a:ext cx="0" cy="2030100"/>
+          </a:xfrm>
+          <a:prstGeom prst="straightConnector1">
+            <a:avLst/>
+          </a:prstGeom>
+          <a:noFill/>
+          <a:ln w="9525" cap="flat" cmpd="sng">
+            <a:solidFill>
+              <a:schemeClr val="dk2"/>
             </a:solidFill>
             <a:prstDash val="solid"/>
             <a:round/>
@@ -17879,91 +18170,365 @@
       </p:cxnSp>
       <p:sp>
         <p:nvSpPr>
-          <p:cNvPr id="5" name="CaixaDeTexto 4">
-            <a:extLst>
-              <a:ext uri="{FF2B5EF4-FFF2-40B4-BE49-F238E27FC236}">
-                <a16:creationId xmlns:a16="http://schemas.microsoft.com/office/drawing/2014/main" id="{E409BB8B-3976-49B5-B0E0-C73DF03B6532}"/>
-              </a:ext>
-            </a:extLst>
-          </p:cNvPr>
-          <p:cNvSpPr txBox="1"/>
-          <p:nvPr/>
+          <p:cNvPr id="160" name="Google Shape;160;p30"/>
+          <p:cNvSpPr txBox="1">
+            <a:spLocks noGrp="1"/>
+          </p:cNvSpPr>
+          <p:nvPr>
+            <p:ph type="title" idx="6"/>
+          </p:nvPr>
         </p:nvSpPr>
         <p:spPr>
           <a:xfrm>
-            <a:off x="5600700" y="2683985"/>
-            <a:ext cx="3321844" cy="1169551"/>
+            <a:off x="5946192" y="2711158"/>
+            <a:ext cx="1072200" cy="577800"/>
           </a:xfrm>
           <a:prstGeom prst="rect">
             <a:avLst/>
           </a:prstGeom>
-          <a:noFill/>
         </p:spPr>
         <p:txBody>
-          <a:bodyPr wrap="square" rtlCol="0">
-            <a:spAutoFit/>
+          <a:bodyPr spcFirstLastPara="1" wrap="square" lIns="91425" tIns="91425" rIns="91425" bIns="91425" anchor="ctr" anchorCtr="0">
+            <a:noAutofit/>
           </a:bodyPr>
           <a:lstStyle/>
           <a:p>
-            <a:pPr marL="342900" indent="-342900" algn="just">
-              <a:buFont typeface="+mj-lt"/>
-              <a:buAutoNum type="arabicPeriod"/>
+            <a:pPr marL="0" lvl="0" indent="0" algn="l" rtl="0">
+              <a:spcBef>
+                <a:spcPts val="0"/>
+              </a:spcBef>
+              <a:spcAft>
+                <a:spcPts val="0"/>
+              </a:spcAft>
+              <a:buNone/>
             </a:pPr>
             <a:r>
-              <a:rPr lang="pt-PT" dirty="0">
-                <a:latin typeface="Roboto Condensed Light" panose="020B0604020202020204" charset="0"/>
-                <a:ea typeface="Roboto Condensed Light" panose="020B0604020202020204" charset="0"/>
-              </a:rPr>
-              <a:t>Problema</a:t>
+              <a:rPr lang="en"/>
+              <a:t>04</a:t>
+            </a:r>
+            <a:endParaRPr/>
+          </a:p>
+        </p:txBody>
+      </p:sp>
+      <p:sp>
+        <p:nvSpPr>
+          <p:cNvPr id="161" name="Google Shape;161;p30"/>
+          <p:cNvSpPr txBox="1">
+            <a:spLocks noGrp="1"/>
+          </p:cNvSpPr>
+          <p:nvPr>
+            <p:ph type="title" idx="7"/>
+          </p:nvPr>
+        </p:nvSpPr>
+        <p:spPr>
+          <a:xfrm>
+            <a:off x="5946192" y="3730856"/>
+            <a:ext cx="1072200" cy="577800"/>
+          </a:xfrm>
+          <a:prstGeom prst="rect">
+            <a:avLst/>
+          </a:prstGeom>
+        </p:spPr>
+        <p:txBody>
+          <a:bodyPr spcFirstLastPara="1" wrap="square" lIns="91425" tIns="91425" rIns="91425" bIns="91425" anchor="ctr" anchorCtr="0">
+            <a:noAutofit/>
+          </a:bodyPr>
+          <a:lstStyle/>
+          <a:p>
+            <a:pPr marL="0" lvl="0" indent="0" algn="l" rtl="0">
+              <a:spcBef>
+                <a:spcPts val="0"/>
+              </a:spcBef>
+              <a:spcAft>
+                <a:spcPts val="0"/>
+              </a:spcAft>
+              <a:buNone/>
+            </a:pPr>
+            <a:r>
+              <a:rPr lang="en"/>
+              <a:t>05</a:t>
+            </a:r>
+            <a:endParaRPr/>
+          </a:p>
+        </p:txBody>
+      </p:sp>
+      <p:sp>
+        <p:nvSpPr>
+          <p:cNvPr id="163" name="Google Shape;163;p30"/>
+          <p:cNvSpPr txBox="1">
+            <a:spLocks noGrp="1"/>
+          </p:cNvSpPr>
+          <p:nvPr>
+            <p:ph type="ctrTitle" idx="14"/>
+          </p:nvPr>
+        </p:nvSpPr>
+        <p:spPr>
+          <a:xfrm>
+            <a:off x="390296" y="2141336"/>
+            <a:ext cx="1974300" cy="577800"/>
+          </a:xfrm>
+          <a:prstGeom prst="rect">
+            <a:avLst/>
+          </a:prstGeom>
+        </p:spPr>
+        <p:txBody>
+          <a:bodyPr spcFirstLastPara="1" wrap="square" lIns="91425" tIns="91425" rIns="91425" bIns="91425" anchor="b" anchorCtr="0">
+            <a:noAutofit/>
+          </a:bodyPr>
+          <a:lstStyle/>
+          <a:p>
+            <a:pPr marL="0" lvl="0" indent="0" algn="r" rtl="0">
+              <a:spcBef>
+                <a:spcPts val="0"/>
+              </a:spcBef>
+              <a:spcAft>
+                <a:spcPts val="0"/>
+              </a:spcAft>
+              <a:buNone/>
+            </a:pPr>
+            <a:r>
+              <a:rPr lang="pt-PT" dirty="0"/>
+              <a:t>SOLUÇÃO PROPOSTA</a:t>
+            </a:r>
+            <a:endParaRPr dirty="0"/>
+          </a:p>
+        </p:txBody>
+      </p:sp>
+      <p:sp>
+        <p:nvSpPr>
+          <p:cNvPr id="164" name="Google Shape;164;p30"/>
+          <p:cNvSpPr txBox="1">
+            <a:spLocks noGrp="1"/>
+          </p:cNvSpPr>
+          <p:nvPr>
+            <p:ph type="subTitle" idx="15"/>
+          </p:nvPr>
+        </p:nvSpPr>
+        <p:spPr>
+          <a:xfrm>
+            <a:off x="690446" y="2596156"/>
+            <a:ext cx="1674300" cy="572400"/>
+          </a:xfrm>
+          <a:prstGeom prst="rect">
+            <a:avLst/>
+          </a:prstGeom>
+        </p:spPr>
+        <p:txBody>
+          <a:bodyPr spcFirstLastPara="1" wrap="square" lIns="91425" tIns="91425" rIns="91425" bIns="91425" anchor="t" anchorCtr="0">
+            <a:noAutofit/>
+          </a:bodyPr>
+          <a:lstStyle/>
+          <a:p>
+            <a:pPr marL="0" lvl="0" indent="0" algn="r" rtl="0">
+              <a:spcBef>
+                <a:spcPts val="0"/>
+              </a:spcBef>
+              <a:spcAft>
+                <a:spcPts val="0"/>
+              </a:spcAft>
+              <a:buNone/>
+            </a:pPr>
+            <a:r>
+              <a:rPr lang="pt-PT" dirty="0"/>
+              <a:t>Estrutura geral da aplicação</a:t>
+            </a:r>
+            <a:endParaRPr dirty="0"/>
+          </a:p>
+        </p:txBody>
+      </p:sp>
+      <p:sp>
+        <p:nvSpPr>
+          <p:cNvPr id="165" name="Google Shape;165;p30"/>
+          <p:cNvSpPr txBox="1">
+            <a:spLocks noGrp="1"/>
+          </p:cNvSpPr>
+          <p:nvPr>
+            <p:ph type="ctrTitle" idx="16"/>
+          </p:nvPr>
+        </p:nvSpPr>
+        <p:spPr>
+          <a:xfrm>
+            <a:off x="6835742" y="2393700"/>
+            <a:ext cx="1974300" cy="577800"/>
+          </a:xfrm>
+          <a:prstGeom prst="rect">
+            <a:avLst/>
+          </a:prstGeom>
+        </p:spPr>
+        <p:txBody>
+          <a:bodyPr spcFirstLastPara="1" wrap="square" lIns="91425" tIns="91425" rIns="91425" bIns="91425" anchor="b" anchorCtr="0">
+            <a:noAutofit/>
+          </a:bodyPr>
+          <a:lstStyle/>
+          <a:p>
+            <a:pPr marL="0" lvl="0" indent="0" algn="l" rtl="0">
+              <a:spcBef>
+                <a:spcPts val="0"/>
+              </a:spcBef>
+              <a:spcAft>
+                <a:spcPts val="0"/>
+              </a:spcAft>
+              <a:buNone/>
+            </a:pPr>
+            <a:r>
+              <a:rPr lang="pt-PT" dirty="0"/>
+              <a:t>CONCLUSÕES</a:t>
+            </a:r>
+            <a:endParaRPr dirty="0"/>
+          </a:p>
+        </p:txBody>
+      </p:sp>
+      <p:sp>
+        <p:nvSpPr>
+          <p:cNvPr id="166" name="Google Shape;166;p30"/>
+          <p:cNvSpPr txBox="1">
+            <a:spLocks noGrp="1"/>
+          </p:cNvSpPr>
+          <p:nvPr>
+            <p:ph type="subTitle" idx="17"/>
+          </p:nvPr>
+        </p:nvSpPr>
+        <p:spPr>
+          <a:xfrm>
+            <a:off x="6835742" y="2848525"/>
+            <a:ext cx="1674300" cy="572400"/>
+          </a:xfrm>
+          <a:prstGeom prst="rect">
+            <a:avLst/>
+          </a:prstGeom>
+        </p:spPr>
+        <p:txBody>
+          <a:bodyPr spcFirstLastPara="1" wrap="square" lIns="91425" tIns="91425" rIns="91425" bIns="91425" anchor="t" anchorCtr="0">
+            <a:noAutofit/>
+          </a:bodyPr>
+          <a:lstStyle/>
+          <a:p>
+            <a:pPr marL="0" lvl="0" indent="0" algn="l" rtl="0">
+              <a:spcBef>
+                <a:spcPts val="0"/>
+              </a:spcBef>
+              <a:spcAft>
+                <a:spcPts val="0"/>
+              </a:spcAft>
+              <a:buNone/>
+            </a:pPr>
+            <a:r>
+              <a:rPr lang="pt-PT" dirty="0"/>
+              <a:t>O que aprendemos</a:t>
             </a:r>
           </a:p>
           <a:p>
-            <a:pPr marL="342900" indent="-342900" algn="just">
-              <a:buAutoNum type="arabicPeriod"/>
+            <a:pPr marL="0" lvl="0" indent="0" algn="l" rtl="0">
+              <a:spcBef>
+                <a:spcPts val="0"/>
+              </a:spcBef>
+              <a:spcAft>
+                <a:spcPts val="0"/>
+              </a:spcAft>
+              <a:buNone/>
             </a:pPr>
             <a:r>
-              <a:rPr lang="pt-PT" dirty="0">
-                <a:latin typeface="Roboto Condensed Light" panose="020B0604020202020204" charset="0"/>
-                <a:ea typeface="Roboto Condensed Light" panose="020B0604020202020204" charset="0"/>
-              </a:rPr>
-              <a:t>Caracterização do negócio</a:t>
+              <a:rPr lang="pt-PT" dirty="0"/>
+              <a:t>Avaliação global do projeto</a:t>
+            </a:r>
+            <a:endParaRPr dirty="0"/>
+          </a:p>
+        </p:txBody>
+      </p:sp>
+      <p:sp>
+        <p:nvSpPr>
+          <p:cNvPr id="167" name="Google Shape;167;p30"/>
+          <p:cNvSpPr txBox="1">
+            <a:spLocks noGrp="1"/>
+          </p:cNvSpPr>
+          <p:nvPr>
+            <p:ph type="ctrTitle" idx="18"/>
+          </p:nvPr>
+        </p:nvSpPr>
+        <p:spPr>
+          <a:xfrm>
+            <a:off x="6835742" y="3417615"/>
+            <a:ext cx="1974300" cy="577800"/>
+          </a:xfrm>
+          <a:prstGeom prst="rect">
+            <a:avLst/>
+          </a:prstGeom>
+        </p:spPr>
+        <p:txBody>
+          <a:bodyPr spcFirstLastPara="1" wrap="square" lIns="91425" tIns="91425" rIns="91425" bIns="91425" anchor="b" anchorCtr="0">
+            <a:noAutofit/>
+          </a:bodyPr>
+          <a:lstStyle/>
+          <a:p>
+            <a:pPr marL="0" lvl="0" indent="0" algn="l" rtl="0">
+              <a:spcBef>
+                <a:spcPts val="0"/>
+              </a:spcBef>
+              <a:spcAft>
+                <a:spcPts val="0"/>
+              </a:spcAft>
+              <a:buNone/>
+            </a:pPr>
+            <a:r>
+              <a:rPr lang="pt-PT" dirty="0"/>
+              <a:t>DEMONSTRAÇÃO DA APLICAÇÃO</a:t>
+            </a:r>
+            <a:endParaRPr dirty="0"/>
+          </a:p>
+        </p:txBody>
+      </p:sp>
+      <p:sp>
+        <p:nvSpPr>
+          <p:cNvPr id="168" name="Google Shape;168;p30"/>
+          <p:cNvSpPr txBox="1">
+            <a:spLocks noGrp="1"/>
+          </p:cNvSpPr>
+          <p:nvPr>
+            <p:ph type="subTitle" idx="19"/>
+          </p:nvPr>
+        </p:nvSpPr>
+        <p:spPr>
+          <a:xfrm>
+            <a:off x="6835742" y="3872437"/>
+            <a:ext cx="1674300" cy="572400"/>
+          </a:xfrm>
+          <a:prstGeom prst="rect">
+            <a:avLst/>
+          </a:prstGeom>
+        </p:spPr>
+        <p:txBody>
+          <a:bodyPr spcFirstLastPara="1" wrap="square" lIns="91425" tIns="91425" rIns="91425" bIns="91425" anchor="t" anchorCtr="0">
+            <a:noAutofit/>
+          </a:bodyPr>
+          <a:lstStyle/>
+          <a:p>
+            <a:pPr marL="0" lvl="0" indent="0" algn="l" rtl="0">
+              <a:spcBef>
+                <a:spcPts val="0"/>
+              </a:spcBef>
+              <a:spcAft>
+                <a:spcPts val="0"/>
+              </a:spcAft>
+              <a:buNone/>
+            </a:pPr>
+            <a:r>
+              <a:rPr lang="pt-PT" dirty="0"/>
+              <a:t>Funcionamento do programa</a:t>
             </a:r>
           </a:p>
           <a:p>
-            <a:pPr marL="342900" indent="-342900" algn="just">
-              <a:buAutoNum type="arabicPeriod"/>
+            <a:pPr marL="0" lvl="0" indent="0" algn="l" rtl="0">
+              <a:spcBef>
+                <a:spcPts val="0"/>
+              </a:spcBef>
+              <a:spcAft>
+                <a:spcPts val="0"/>
+              </a:spcAft>
+              <a:buNone/>
             </a:pPr>
             <a:r>
-              <a:rPr lang="pt-PT" dirty="0">
-                <a:latin typeface="Roboto Condensed Light" panose="020B0604020202020204" charset="0"/>
-                <a:ea typeface="Roboto Condensed Light" panose="020B0604020202020204" charset="0"/>
-              </a:rPr>
-              <a:t>Solução proposta</a:t>
-            </a:r>
-          </a:p>
-          <a:p>
-            <a:pPr marL="342900" indent="-342900" algn="just">
-              <a:buAutoNum type="arabicPeriod"/>
-            </a:pPr>
-            <a:r>
-              <a:rPr lang="pt-PT" dirty="0">
-                <a:latin typeface="Roboto Condensed Light" panose="020B0604020202020204" charset="0"/>
-                <a:ea typeface="Roboto Condensed Light" panose="020B0604020202020204" charset="0"/>
-              </a:rPr>
-              <a:t>Conclusões</a:t>
-            </a:r>
-          </a:p>
-          <a:p>
-            <a:pPr marL="342900" indent="-342900" algn="just">
-              <a:buFont typeface="Arial"/>
-              <a:buAutoNum type="arabicPeriod"/>
-            </a:pPr>
-            <a:r>
-              <a:rPr lang="pt-PT" dirty="0">
-                <a:latin typeface="Roboto Condensed Light" panose="020B0604020202020204" charset="0"/>
-                <a:ea typeface="Roboto Condensed Light" panose="020B0604020202020204" charset="0"/>
-              </a:rPr>
-              <a:t>Demonstrar Aplicação</a:t>
+              <a:rPr lang="pt-PT" dirty="0"/>
+              <a:t>Perguntas &amp; Respostas</a:t>
             </a:r>
           </a:p>
         </p:txBody>
@@ -17973,145 +18538,6 @@
   <p:clrMapOvr>
     <a:masterClrMapping/>
   </p:clrMapOvr>
-  <p:timing>
-    <p:tnLst>
-      <p:par>
-        <p:cTn id="1" dur="indefinite" restart="never" nodeType="tmRoot">
-          <p:childTnLst>
-            <p:seq concurrent="1" nextAc="seek">
-              <p:cTn id="2" dur="indefinite" nodeType="mainSeq">
-                <p:childTnLst>
-                  <p:par>
-                    <p:cTn id="3" fill="hold">
-                      <p:stCondLst>
-                        <p:cond delay="indefinite"/>
-                      </p:stCondLst>
-                      <p:childTnLst>
-                        <p:par>
-                          <p:cTn id="4" fill="hold">
-                            <p:stCondLst>
-                              <p:cond delay="0"/>
-                            </p:stCondLst>
-                            <p:childTnLst>
-                              <p:par>
-                                <p:cTn id="5" presetID="10" presetClass="entr" presetSubtype="0" fill="hold" nodeType="clickEffect">
-                                  <p:stCondLst>
-                                    <p:cond delay="0"/>
-                                  </p:stCondLst>
-                                  <p:childTnLst>
-                                    <p:set>
-                                      <p:cBhvr>
-                                        <p:cTn id="6" dur="1" fill="hold">
-                                          <p:stCondLst>
-                                            <p:cond delay="0"/>
-                                          </p:stCondLst>
-                                        </p:cTn>
-                                        <p:tgtEl>
-                                          <p:spTgt spid="141"/>
-                                        </p:tgtEl>
-                                        <p:attrNameLst>
-                                          <p:attrName>style.visibility</p:attrName>
-                                        </p:attrNameLst>
-                                      </p:cBhvr>
-                                      <p:to>
-                                        <p:strVal val="visible"/>
-                                      </p:to>
-                                    </p:set>
-                                    <p:animEffect transition="in" filter="fade">
-                                      <p:cBhvr>
-                                        <p:cTn id="7" dur="1000"/>
-                                        <p:tgtEl>
-                                          <p:spTgt spid="141"/>
-                                        </p:tgtEl>
-                                      </p:cBhvr>
-                                    </p:animEffect>
-                                  </p:childTnLst>
-                                </p:cTn>
-                              </p:par>
-                            </p:childTnLst>
-                          </p:cTn>
-                        </p:par>
-                      </p:childTnLst>
-                    </p:cTn>
-                  </p:par>
-                  <p:par>
-                    <p:cTn id="8" fill="hold">
-                      <p:stCondLst>
-                        <p:cond delay="indefinite"/>
-                      </p:stCondLst>
-                      <p:childTnLst>
-                        <p:par>
-                          <p:cTn id="9" fill="hold">
-                            <p:stCondLst>
-                              <p:cond delay="0"/>
-                            </p:stCondLst>
-                            <p:childTnLst>
-                              <p:par>
-                                <p:cTn id="10" presetID="10" presetClass="entr" presetSubtype="0" fill="hold" grpId="0" nodeType="clickEffect">
-                                  <p:stCondLst>
-                                    <p:cond delay="0"/>
-                                  </p:stCondLst>
-                                  <p:childTnLst>
-                                    <p:set>
-                                      <p:cBhvr>
-                                        <p:cTn id="11" dur="1" fill="hold">
-                                          <p:stCondLst>
-                                            <p:cond delay="0"/>
-                                          </p:stCondLst>
-                                        </p:cTn>
-                                        <p:tgtEl>
-                                          <p:spTgt spid="5"/>
-                                        </p:tgtEl>
-                                        <p:attrNameLst>
-                                          <p:attrName>style.visibility</p:attrName>
-                                        </p:attrNameLst>
-                                      </p:cBhvr>
-                                      <p:to>
-                                        <p:strVal val="visible"/>
-                                      </p:to>
-                                    </p:set>
-                                    <p:animEffect transition="in" filter="fade">
-                                      <p:cBhvr>
-                                        <p:cTn id="12" dur="500"/>
-                                        <p:tgtEl>
-                                          <p:spTgt spid="5"/>
-                                        </p:tgtEl>
-                                      </p:cBhvr>
-                                    </p:animEffect>
-                                  </p:childTnLst>
-                                </p:cTn>
-                              </p:par>
-                            </p:childTnLst>
-                          </p:cTn>
-                        </p:par>
-                      </p:childTnLst>
-                    </p:cTn>
-                  </p:par>
-                </p:childTnLst>
-              </p:cTn>
-              <p:prevCondLst>
-                <p:cond evt="onPrev" delay="0">
-                  <p:tgtEl>
-                    <p:sldTgt/>
-                  </p:tgtEl>
-                </p:cond>
-              </p:prevCondLst>
-              <p:nextCondLst>
-                <p:cond evt="onNext" delay="0">
-                  <p:tgtEl>
-                    <p:sldTgt/>
-                  </p:tgtEl>
-                </p:cond>
-              </p:nextCondLst>
-            </p:seq>
-          </p:childTnLst>
-        </p:cTn>
-      </p:par>
-    </p:tnLst>
-    <p:bldLst>
-      <p:bldP spid="5" grpId="0"/>
-    </p:bldLst>
-  </p:timing>
 </p:sld>
 </file>
 
@@ -18150,7 +18576,7 @@
         </p:nvSpPr>
         <p:spPr>
           <a:xfrm>
-            <a:off x="1135981" y="800765"/>
+            <a:off x="601144" y="776062"/>
             <a:ext cx="6886800" cy="1782300"/>
           </a:xfrm>
           <a:prstGeom prst="rect">
@@ -20633,14 +21059,67 @@
                             </p:stCondLst>
                             <p:childTnLst>
                               <p:par>
-                                <p:cTn id="5" presetID="10" presetClass="exit" presetSubtype="0" fill="hold" nodeType="clickEffect">
+                                <p:cTn id="5" presetID="10" presetClass="entr" presetSubtype="0" fill="hold" grpId="0" nodeType="clickEffect">
+                                  <p:stCondLst>
+                                    <p:cond delay="0"/>
+                                  </p:stCondLst>
+                                  <p:childTnLst>
+                                    <p:set>
+                                      <p:cBhvr>
+                                        <p:cTn id="6" dur="1" fill="hold">
+                                          <p:stCondLst>
+                                            <p:cond delay="0"/>
+                                          </p:stCondLst>
+                                        </p:cTn>
+                                        <p:tgtEl>
+                                          <p:spTgt spid="262"/>
+                                        </p:tgtEl>
+                                        <p:attrNameLst>
+                                          <p:attrName>style.visibility</p:attrName>
+                                        </p:attrNameLst>
+                                      </p:cBhvr>
+                                      <p:to>
+                                        <p:strVal val="visible"/>
+                                      </p:to>
+                                    </p:set>
+                                    <p:animEffect transition="in" filter="fade">
+                                      <p:cBhvr>
+                                        <p:cTn id="7" dur="500"/>
+                                        <p:tgtEl>
+                                          <p:spTgt spid="262"/>
+                                        </p:tgtEl>
+                                      </p:cBhvr>
+                                    </p:animEffect>
+                                  </p:childTnLst>
+                                </p:cTn>
+                              </p:par>
+                            </p:childTnLst>
+                          </p:cTn>
+                        </p:par>
+                      </p:childTnLst>
+                    </p:cTn>
+                  </p:par>
+                  <p:par>
+                    <p:cTn id="8" fill="hold">
+                      <p:stCondLst>
+                        <p:cond delay="indefinite"/>
+                      </p:stCondLst>
+                      <p:childTnLst>
+                        <p:par>
+                          <p:cTn id="9" fill="hold">
+                            <p:stCondLst>
+                              <p:cond delay="0"/>
+                            </p:stCondLst>
+                            <p:childTnLst>
+                              <p:par>
+                                <p:cTn id="10" presetID="10" presetClass="exit" presetSubtype="0" fill="hold" nodeType="clickEffect">
                                   <p:stCondLst>
                                     <p:cond delay="0"/>
                                   </p:stCondLst>
                                   <p:childTnLst>
                                     <p:animEffect transition="out" filter="fade">
                                       <p:cBhvr>
-                                        <p:cTn id="6" dur="1000"/>
+                                        <p:cTn id="11" dur="1000"/>
                                         <p:tgtEl>
                                           <p:spTgt spid="262"/>
                                         </p:tgtEl>
@@ -20648,7 +21127,7 @@
                                     </p:animEffect>
                                     <p:set>
                                       <p:cBhvr>
-                                        <p:cTn id="7" dur="1" fill="hold">
+                                        <p:cTn id="12" dur="1" fill="hold">
                                           <p:stCondLst>
                                             <p:cond delay="1000"/>
                                           </p:stCondLst>
@@ -20668,14 +21147,14 @@
                                 </p:cTn>
                               </p:par>
                               <p:par>
-                                <p:cTn id="8" presetID="10" presetClass="exit" presetSubtype="0" fill="hold" nodeType="withEffect">
+                                <p:cTn id="13" presetID="10" presetClass="exit" presetSubtype="0" fill="hold" nodeType="withEffect">
                                   <p:stCondLst>
                                     <p:cond delay="0"/>
                                   </p:stCondLst>
                                   <p:childTnLst>
                                     <p:animEffect transition="out" filter="fade">
                                       <p:cBhvr>
-                                        <p:cTn id="9" dur="1000"/>
+                                        <p:cTn id="14" dur="1000"/>
                                         <p:tgtEl>
                                           <p:spTgt spid="263"/>
                                         </p:tgtEl>
@@ -20683,7 +21162,7 @@
                                     </p:animEffect>
                                     <p:set>
                                       <p:cBhvr>
-                                        <p:cTn id="10" dur="1" fill="hold">
+                                        <p:cTn id="15" dur="1" fill="hold">
                                           <p:stCondLst>
                                             <p:cond delay="1000"/>
                                           </p:stCondLst>
@@ -20706,20 +21185,20 @@
                           </p:cTn>
                         </p:par>
                         <p:par>
-                          <p:cTn id="11" fill="hold">
+                          <p:cTn id="16" fill="hold">
                             <p:stCondLst>
-                              <p:cond delay="1000"/>
+                              <p:cond delay="1001"/>
                             </p:stCondLst>
                             <p:childTnLst>
                               <p:par>
-                                <p:cTn id="12" presetID="10" presetClass="entr" presetSubtype="0" fill="hold" nodeType="afterEffect">
+                                <p:cTn id="17" presetID="10" presetClass="entr" presetSubtype="0" fill="hold" nodeType="afterEffect">
                                   <p:stCondLst>
                                     <p:cond delay="0"/>
                                   </p:stCondLst>
                                   <p:childTnLst>
                                     <p:set>
                                       <p:cBhvr>
-                                        <p:cTn id="13" dur="1" fill="hold">
+                                        <p:cTn id="18" dur="1" fill="hold">
                                           <p:stCondLst>
                                             <p:cond delay="0"/>
                                           </p:stCondLst>
@@ -20737,7 +21216,7 @@
                                     </p:set>
                                     <p:animEffect transition="in" filter="fade">
                                       <p:cBhvr>
-                                        <p:cTn id="14" dur="1000"/>
+                                        <p:cTn id="19" dur="1000"/>
                                         <p:tgtEl>
                                           <p:spTgt spid="229"/>
                                         </p:tgtEl>
@@ -20753,26 +21232,26 @@
                     </p:cTn>
                   </p:par>
                   <p:par>
-                    <p:cTn id="15" fill="hold">
+                    <p:cTn id="20" fill="hold">
                       <p:stCondLst>
                         <p:cond delay="indefinite"/>
                       </p:stCondLst>
                       <p:childTnLst>
                         <p:par>
-                          <p:cTn id="16" fill="hold">
+                          <p:cTn id="21" fill="hold">
                             <p:stCondLst>
                               <p:cond delay="0"/>
                             </p:stCondLst>
                             <p:childTnLst>
                               <p:par>
-                                <p:cTn id="17" presetID="10" presetClass="entr" presetSubtype="0" fill="hold" nodeType="clickEffect">
+                                <p:cTn id="22" presetID="10" presetClass="entr" presetSubtype="0" fill="hold" nodeType="clickEffect">
                                   <p:stCondLst>
                                     <p:cond delay="0"/>
                                   </p:stCondLst>
                                   <p:childTnLst>
                                     <p:set>
                                       <p:cBhvr>
-                                        <p:cTn id="18" dur="1" fill="hold">
+                                        <p:cTn id="23" dur="1" fill="hold">
                                           <p:stCondLst>
                                             <p:cond delay="0"/>
                                           </p:stCondLst>
@@ -20790,7 +21269,7 @@
                                     </p:set>
                                     <p:animEffect transition="in" filter="fade">
                                       <p:cBhvr>
-                                        <p:cTn id="19" dur="1000"/>
+                                        <p:cTn id="24" dur="1000"/>
                                         <p:tgtEl>
                                           <p:spTgt spid="235"/>
                                         </p:tgtEl>
@@ -20800,14 +21279,14 @@
                                 </p:cTn>
                               </p:par>
                               <p:par>
-                                <p:cTn id="20" presetID="10" presetClass="entr" presetSubtype="0" fill="hold" nodeType="withEffect">
+                                <p:cTn id="25" presetID="10" presetClass="entr" presetSubtype="0" fill="hold" nodeType="withEffect">
                                   <p:stCondLst>
                                     <p:cond delay="0"/>
                                   </p:stCondLst>
                                   <p:childTnLst>
                                     <p:set>
                                       <p:cBhvr>
-                                        <p:cTn id="21" dur="1" fill="hold">
+                                        <p:cTn id="26" dur="1" fill="hold">
                                           <p:stCondLst>
                                             <p:cond delay="0"/>
                                           </p:stCondLst>
@@ -20825,7 +21304,7 @@
                                     </p:set>
                                     <p:animEffect transition="in" filter="fade">
                                       <p:cBhvr>
-                                        <p:cTn id="22" dur="1000"/>
+                                        <p:cTn id="27" dur="1000"/>
                                         <p:tgtEl>
                                           <p:spTgt spid="241"/>
                                         </p:tgtEl>
@@ -20835,14 +21314,14 @@
                                 </p:cTn>
                               </p:par>
                               <p:par>
-                                <p:cTn id="23" presetID="10" presetClass="entr" presetSubtype="0" fill="hold" nodeType="withEffect">
+                                <p:cTn id="28" presetID="10" presetClass="entr" presetSubtype="0" fill="hold" nodeType="withEffect">
                                   <p:stCondLst>
                                     <p:cond delay="0"/>
                                   </p:stCondLst>
                                   <p:childTnLst>
                                     <p:set>
                                       <p:cBhvr>
-                                        <p:cTn id="24" dur="1" fill="hold">
+                                        <p:cTn id="29" dur="1" fill="hold">
                                           <p:stCondLst>
                                             <p:cond delay="0"/>
                                           </p:stCondLst>
@@ -20860,7 +21339,7 @@
                                     </p:set>
                                     <p:animEffect transition="in" filter="fade">
                                       <p:cBhvr>
-                                        <p:cTn id="25" dur="1000"/>
+                                        <p:cTn id="30" dur="1000"/>
                                         <p:tgtEl>
                                           <p:spTgt spid="230"/>
                                         </p:tgtEl>
@@ -20876,26 +21355,26 @@
                     </p:cTn>
                   </p:par>
                   <p:par>
-                    <p:cTn id="26" fill="hold">
+                    <p:cTn id="31" fill="hold">
                       <p:stCondLst>
                         <p:cond delay="indefinite"/>
                       </p:stCondLst>
                       <p:childTnLst>
                         <p:par>
-                          <p:cTn id="27" fill="hold">
+                          <p:cTn id="32" fill="hold">
                             <p:stCondLst>
                               <p:cond delay="0"/>
                             </p:stCondLst>
                             <p:childTnLst>
                               <p:par>
-                                <p:cTn id="28" presetID="10" presetClass="entr" presetSubtype="0" fill="hold" nodeType="clickEffect">
+                                <p:cTn id="33" presetID="10" presetClass="entr" presetSubtype="0" fill="hold" nodeType="clickEffect">
                                   <p:stCondLst>
                                     <p:cond delay="0"/>
                                   </p:stCondLst>
                                   <p:childTnLst>
                                     <p:set>
                                       <p:cBhvr>
-                                        <p:cTn id="29" dur="1" fill="hold">
+                                        <p:cTn id="34" dur="1" fill="hold">
                                           <p:stCondLst>
                                             <p:cond delay="0"/>
                                           </p:stCondLst>
@@ -20913,7 +21392,7 @@
                                     </p:set>
                                     <p:animEffect transition="in" filter="fade">
                                       <p:cBhvr>
-                                        <p:cTn id="30" dur="1000"/>
+                                        <p:cTn id="35" dur="1000"/>
                                         <p:tgtEl>
                                           <p:spTgt spid="236"/>
                                         </p:tgtEl>
@@ -20923,14 +21402,14 @@
                                 </p:cTn>
                               </p:par>
                               <p:par>
-                                <p:cTn id="31" presetID="10" presetClass="entr" presetSubtype="0" fill="hold" nodeType="withEffect">
+                                <p:cTn id="36" presetID="10" presetClass="entr" presetSubtype="0" fill="hold" nodeType="withEffect">
                                   <p:stCondLst>
                                     <p:cond delay="0"/>
                                   </p:stCondLst>
                                   <p:childTnLst>
                                     <p:set>
                                       <p:cBhvr>
-                                        <p:cTn id="32" dur="1" fill="hold">
+                                        <p:cTn id="37" dur="1" fill="hold">
                                           <p:stCondLst>
                                             <p:cond delay="0"/>
                                           </p:stCondLst>
@@ -20948,7 +21427,7 @@
                                     </p:set>
                                     <p:animEffect transition="in" filter="fade">
                                       <p:cBhvr>
-                                        <p:cTn id="33" dur="1000"/>
+                                        <p:cTn id="38" dur="1000"/>
                                         <p:tgtEl>
                                           <p:spTgt spid="247"/>
                                         </p:tgtEl>
@@ -20958,14 +21437,14 @@
                                 </p:cTn>
                               </p:par>
                               <p:par>
-                                <p:cTn id="34" presetID="10" presetClass="entr" presetSubtype="0" fill="hold" nodeType="withEffect">
+                                <p:cTn id="39" presetID="10" presetClass="entr" presetSubtype="0" fill="hold" nodeType="withEffect">
                                   <p:stCondLst>
                                     <p:cond delay="0"/>
                                   </p:stCondLst>
                                   <p:childTnLst>
                                     <p:set>
                                       <p:cBhvr>
-                                        <p:cTn id="35" dur="1" fill="hold">
+                                        <p:cTn id="40" dur="1" fill="hold">
                                           <p:stCondLst>
                                             <p:cond delay="0"/>
                                           </p:stCondLst>
@@ -20983,7 +21462,7 @@
                                     </p:set>
                                     <p:animEffect transition="in" filter="fade">
                                       <p:cBhvr>
-                                        <p:cTn id="36" dur="1000"/>
+                                        <p:cTn id="41" dur="1000"/>
                                         <p:tgtEl>
                                           <p:spTgt spid="231"/>
                                         </p:tgtEl>
@@ -20993,14 +21472,14 @@
                                 </p:cTn>
                               </p:par>
                               <p:par>
-                                <p:cTn id="37" presetID="10" presetClass="entr" presetSubtype="0" fill="hold" nodeType="withEffect">
+                                <p:cTn id="42" presetID="10" presetClass="entr" presetSubtype="0" fill="hold" nodeType="withEffect">
                                   <p:stCondLst>
                                     <p:cond delay="0"/>
                                   </p:stCondLst>
                                   <p:childTnLst>
                                     <p:set>
                                       <p:cBhvr>
-                                        <p:cTn id="38" dur="1" fill="hold">
+                                        <p:cTn id="43" dur="1" fill="hold">
                                           <p:stCondLst>
                                             <p:cond delay="0"/>
                                           </p:stCondLst>
@@ -21018,7 +21497,7 @@
                                     </p:set>
                                     <p:animEffect transition="in" filter="fade">
                                       <p:cBhvr>
-                                        <p:cTn id="39" dur="1000"/>
+                                        <p:cTn id="44" dur="1000"/>
                                         <p:tgtEl>
                                           <p:spTgt spid="233"/>
                                         </p:tgtEl>
@@ -21034,26 +21513,26 @@
                     </p:cTn>
                   </p:par>
                   <p:par>
-                    <p:cTn id="40" fill="hold">
+                    <p:cTn id="45" fill="hold">
                       <p:stCondLst>
                         <p:cond delay="indefinite"/>
                       </p:stCondLst>
                       <p:childTnLst>
                         <p:par>
-                          <p:cTn id="41" fill="hold">
+                          <p:cTn id="46" fill="hold">
                             <p:stCondLst>
                               <p:cond delay="0"/>
                             </p:stCondLst>
                             <p:childTnLst>
                               <p:par>
-                                <p:cTn id="42" presetID="10" presetClass="entr" presetSubtype="0" fill="hold" nodeType="clickEffect">
+                                <p:cTn id="47" presetID="10" presetClass="entr" presetSubtype="0" fill="hold" nodeType="clickEffect">
                                   <p:stCondLst>
                                     <p:cond delay="0"/>
                                   </p:stCondLst>
                                   <p:childTnLst>
                                     <p:set>
                                       <p:cBhvr>
-                                        <p:cTn id="43" dur="1" fill="hold">
+                                        <p:cTn id="48" dur="1" fill="hold">
                                           <p:stCondLst>
                                             <p:cond delay="0"/>
                                           </p:stCondLst>
@@ -21071,7 +21550,7 @@
                                     </p:set>
                                     <p:animEffect transition="in" filter="fade">
                                       <p:cBhvr>
-                                        <p:cTn id="44" dur="1000"/>
+                                        <p:cTn id="49" dur="1000"/>
                                         <p:tgtEl>
                                           <p:spTgt spid="237"/>
                                         </p:tgtEl>
@@ -21081,14 +21560,14 @@
                                 </p:cTn>
                               </p:par>
                               <p:par>
-                                <p:cTn id="45" presetID="10" presetClass="entr" presetSubtype="0" fill="hold" nodeType="withEffect">
+                                <p:cTn id="50" presetID="10" presetClass="entr" presetSubtype="0" fill="hold" nodeType="withEffect">
                                   <p:stCondLst>
                                     <p:cond delay="0"/>
                                   </p:stCondLst>
                                   <p:childTnLst>
                                     <p:set>
                                       <p:cBhvr>
-                                        <p:cTn id="46" dur="1" fill="hold">
+                                        <p:cTn id="51" dur="1" fill="hold">
                                           <p:stCondLst>
                                             <p:cond delay="0"/>
                                           </p:stCondLst>
@@ -21106,7 +21585,7 @@
                                     </p:set>
                                     <p:animEffect transition="in" filter="fade">
                                       <p:cBhvr>
-                                        <p:cTn id="47" dur="1000"/>
+                                        <p:cTn id="52" dur="1000"/>
                                         <p:tgtEl>
                                           <p:spTgt spid="257"/>
                                         </p:tgtEl>
@@ -21116,14 +21595,14 @@
                                 </p:cTn>
                               </p:par>
                               <p:par>
-                                <p:cTn id="48" presetID="10" presetClass="entr" presetSubtype="0" fill="hold" nodeType="withEffect">
+                                <p:cTn id="53" presetID="10" presetClass="entr" presetSubtype="0" fill="hold" nodeType="withEffect">
                                   <p:stCondLst>
                                     <p:cond delay="0"/>
                                   </p:stCondLst>
                                   <p:childTnLst>
                                     <p:set>
                                       <p:cBhvr>
-                                        <p:cTn id="49" dur="1" fill="hold">
+                                        <p:cTn id="54" dur="1" fill="hold">
                                           <p:stCondLst>
                                             <p:cond delay="0"/>
                                           </p:stCondLst>
@@ -21141,7 +21620,7 @@
                                     </p:set>
                                     <p:animEffect transition="in" filter="fade">
                                       <p:cBhvr>
-                                        <p:cTn id="50" dur="1000"/>
+                                        <p:cTn id="55" dur="1000"/>
                                         <p:tgtEl>
                                           <p:spTgt spid="244"/>
                                         </p:tgtEl>
@@ -21151,14 +21630,14 @@
                                 </p:cTn>
                               </p:par>
                               <p:par>
-                                <p:cTn id="51" presetID="10" presetClass="entr" presetSubtype="0" fill="hold" nodeType="withEffect">
+                                <p:cTn id="56" presetID="10" presetClass="entr" presetSubtype="0" fill="hold" nodeType="withEffect">
                                   <p:stCondLst>
                                     <p:cond delay="0"/>
                                   </p:stCondLst>
                                   <p:childTnLst>
                                     <p:set>
                                       <p:cBhvr>
-                                        <p:cTn id="52" dur="1" fill="hold">
+                                        <p:cTn id="57" dur="1" fill="hold">
                                           <p:stCondLst>
                                             <p:cond delay="0"/>
                                           </p:stCondLst>
@@ -21176,7 +21655,7 @@
                                     </p:set>
                                     <p:animEffect transition="in" filter="fade">
                                       <p:cBhvr>
-                                        <p:cTn id="53" dur="1000"/>
+                                        <p:cTn id="58" dur="1000"/>
                                         <p:tgtEl>
                                           <p:spTgt spid="232"/>
                                         </p:tgtEl>
@@ -21186,14 +21665,14 @@
                                 </p:cTn>
                               </p:par>
                               <p:par>
-                                <p:cTn id="54" presetID="10" presetClass="entr" presetSubtype="0" fill="hold" nodeType="withEffect">
+                                <p:cTn id="59" presetID="10" presetClass="entr" presetSubtype="0" fill="hold" nodeType="withEffect">
                                   <p:stCondLst>
                                     <p:cond delay="0"/>
                                   </p:stCondLst>
                                   <p:childTnLst>
                                     <p:set>
                                       <p:cBhvr>
-                                        <p:cTn id="55" dur="1" fill="hold">
+                                        <p:cTn id="60" dur="1" fill="hold">
                                           <p:stCondLst>
                                             <p:cond delay="0"/>
                                           </p:stCondLst>
@@ -21211,7 +21690,7 @@
                                     </p:set>
                                     <p:animEffect transition="in" filter="fade">
                                       <p:cBhvr>
-                                        <p:cTn id="56" dur="1000"/>
+                                        <p:cTn id="61" dur="1000"/>
                                         <p:tgtEl>
                                           <p:spTgt spid="234"/>
                                         </p:tgtEl>
@@ -21227,26 +21706,26 @@
                     </p:cTn>
                   </p:par>
                   <p:par>
-                    <p:cTn id="57" fill="hold">
+                    <p:cTn id="62" fill="hold">
                       <p:stCondLst>
                         <p:cond delay="indefinite"/>
                       </p:stCondLst>
                       <p:childTnLst>
                         <p:par>
-                          <p:cTn id="58" fill="hold">
+                          <p:cTn id="63" fill="hold">
                             <p:stCondLst>
                               <p:cond delay="0"/>
                             </p:stCondLst>
                             <p:childTnLst>
                               <p:par>
-                                <p:cTn id="59" presetID="10" presetClass="entr" presetSubtype="0" fill="hold" nodeType="clickEffect">
+                                <p:cTn id="64" presetID="10" presetClass="entr" presetSubtype="0" fill="hold" nodeType="clickEffect">
                                   <p:stCondLst>
                                     <p:cond delay="0"/>
                                   </p:stCondLst>
                                   <p:childTnLst>
                                     <p:set>
                                       <p:cBhvr>
-                                        <p:cTn id="60" dur="1" fill="hold">
+                                        <p:cTn id="65" dur="1" fill="hold">
                                           <p:stCondLst>
                                             <p:cond delay="0"/>
                                           </p:stCondLst>
@@ -21264,7 +21743,7 @@
                                     </p:set>
                                     <p:animEffect transition="in" filter="fade">
                                       <p:cBhvr>
-                                        <p:cTn id="61" dur="1000"/>
+                                        <p:cTn id="66" dur="1000"/>
                                         <p:tgtEl>
                                           <p:spTgt spid="239"/>
                                         </p:tgtEl>
@@ -21274,14 +21753,14 @@
                                 </p:cTn>
                               </p:par>
                               <p:par>
-                                <p:cTn id="62" presetID="10" presetClass="entr" presetSubtype="0" fill="hold" nodeType="withEffect">
+                                <p:cTn id="67" presetID="10" presetClass="entr" presetSubtype="0" fill="hold" nodeType="withEffect">
                                   <p:stCondLst>
                                     <p:cond delay="0"/>
                                   </p:stCondLst>
                                   <p:childTnLst>
                                     <p:set>
                                       <p:cBhvr>
-                                        <p:cTn id="63" dur="1" fill="hold">
+                                        <p:cTn id="68" dur="1" fill="hold">
                                           <p:stCondLst>
                                             <p:cond delay="0"/>
                                           </p:stCondLst>
@@ -21299,7 +21778,7 @@
                                     </p:set>
                                     <p:animEffect transition="in" filter="fade">
                                       <p:cBhvr>
-                                        <p:cTn id="64" dur="1000"/>
+                                        <p:cTn id="69" dur="1000"/>
                                         <p:tgtEl>
                                           <p:spTgt spid="238"/>
                                         </p:tgtEl>
@@ -21309,14 +21788,14 @@
                                 </p:cTn>
                               </p:par>
                               <p:par>
-                                <p:cTn id="65" presetID="10" presetClass="entr" presetSubtype="0" fill="hold" nodeType="withEffect">
+                                <p:cTn id="70" presetID="10" presetClass="entr" presetSubtype="0" fill="hold" nodeType="withEffect">
                                   <p:stCondLst>
                                     <p:cond delay="0"/>
                                   </p:stCondLst>
                                   <p:childTnLst>
                                     <p:set>
                                       <p:cBhvr>
-                                        <p:cTn id="66" dur="1" fill="hold">
+                                        <p:cTn id="71" dur="1" fill="hold">
                                           <p:stCondLst>
                                             <p:cond delay="0"/>
                                           </p:stCondLst>
@@ -21334,7 +21813,7 @@
                                     </p:set>
                                     <p:animEffect transition="in" filter="fade">
                                       <p:cBhvr>
-                                        <p:cTn id="67" dur="1000"/>
+                                        <p:cTn id="72" dur="1000"/>
                                         <p:tgtEl>
                                           <p:spTgt spid="240"/>
                                         </p:tgtEl>
@@ -21370,6 +21849,9 @@
         </p:cTn>
       </p:par>
     </p:tnLst>
+    <p:bldLst>
+      <p:bldP spid="262" grpId="0"/>
+    </p:bldLst>
   </p:timing>
 </p:sld>
 </file>
@@ -21941,7 +22423,7 @@
             </a:pPr>
             <a:r>
               <a:rPr lang="en" dirty="0"/>
-              <a:t>CONCLUSÕES</a:t>
+              <a:t>SOLUÇÃO PROPOSTA</a:t>
             </a:r>
             <a:endParaRPr dirty="0"/>
           </a:p>
@@ -21999,14 +22481,67 @@
                             </p:stCondLst>
                             <p:childTnLst>
                               <p:par>
-                                <p:cTn id="5" presetID="10" presetClass="exit" presetSubtype="0" fill="hold" nodeType="clickEffect">
+                                <p:cTn id="5" presetID="10" presetClass="entr" presetSubtype="0" fill="hold" grpId="0" nodeType="clickEffect">
+                                  <p:stCondLst>
+                                    <p:cond delay="0"/>
+                                  </p:stCondLst>
+                                  <p:childTnLst>
+                                    <p:set>
+                                      <p:cBhvr>
+                                        <p:cTn id="6" dur="1" fill="hold">
+                                          <p:stCondLst>
+                                            <p:cond delay="0"/>
+                                          </p:stCondLst>
+                                        </p:cTn>
+                                        <p:tgtEl>
+                                          <p:spTgt spid="284"/>
+                                        </p:tgtEl>
+                                        <p:attrNameLst>
+                                          <p:attrName>style.visibility</p:attrName>
+                                        </p:attrNameLst>
+                                      </p:cBhvr>
+                                      <p:to>
+                                        <p:strVal val="visible"/>
+                                      </p:to>
+                                    </p:set>
+                                    <p:animEffect transition="in" filter="fade">
+                                      <p:cBhvr>
+                                        <p:cTn id="7" dur="500"/>
+                                        <p:tgtEl>
+                                          <p:spTgt spid="284"/>
+                                        </p:tgtEl>
+                                      </p:cBhvr>
+                                    </p:animEffect>
+                                  </p:childTnLst>
+                                </p:cTn>
+                              </p:par>
+                            </p:childTnLst>
+                          </p:cTn>
+                        </p:par>
+                      </p:childTnLst>
+                    </p:cTn>
+                  </p:par>
+                  <p:par>
+                    <p:cTn id="8" fill="hold">
+                      <p:stCondLst>
+                        <p:cond delay="indefinite"/>
+                      </p:stCondLst>
+                      <p:childTnLst>
+                        <p:par>
+                          <p:cTn id="9" fill="hold">
+                            <p:stCondLst>
+                              <p:cond delay="0"/>
+                            </p:stCondLst>
+                            <p:childTnLst>
+                              <p:par>
+                                <p:cTn id="10" presetID="10" presetClass="exit" presetSubtype="0" fill="hold" nodeType="clickEffect">
                                   <p:stCondLst>
                                     <p:cond delay="0"/>
                                   </p:stCondLst>
                                   <p:childTnLst>
                                     <p:animEffect transition="out" filter="fade">
                                       <p:cBhvr>
-                                        <p:cTn id="6" dur="1000"/>
+                                        <p:cTn id="11" dur="1000"/>
                                         <p:tgtEl>
                                           <p:spTgt spid="284"/>
                                         </p:tgtEl>
@@ -22014,7 +22549,7 @@
                                     </p:animEffect>
                                     <p:set>
                                       <p:cBhvr>
-                                        <p:cTn id="7" dur="1" fill="hold">
+                                        <p:cTn id="12" dur="1" fill="hold">
                                           <p:stCondLst>
                                             <p:cond delay="1000"/>
                                           </p:stCondLst>
@@ -22034,14 +22569,14 @@
                                 </p:cTn>
                               </p:par>
                               <p:par>
-                                <p:cTn id="8" presetID="10" presetClass="exit" presetSubtype="0" fill="hold" nodeType="withEffect">
+                                <p:cTn id="13" presetID="10" presetClass="exit" presetSubtype="0" fill="hold" nodeType="withEffect">
                                   <p:stCondLst>
                                     <p:cond delay="0"/>
                                   </p:stCondLst>
                                   <p:childTnLst>
                                     <p:animEffect transition="out" filter="fade">
                                       <p:cBhvr>
-                                        <p:cTn id="9" dur="1000"/>
+                                        <p:cTn id="14" dur="1000"/>
                                         <p:tgtEl>
                                           <p:spTgt spid="285"/>
                                         </p:tgtEl>
@@ -22049,7 +22584,7 @@
                                     </p:animEffect>
                                     <p:set>
                                       <p:cBhvr>
-                                        <p:cTn id="10" dur="1" fill="hold">
+                                        <p:cTn id="15" dur="1" fill="hold">
                                           <p:stCondLst>
                                             <p:cond delay="1000"/>
                                           </p:stCondLst>
@@ -22069,14 +22604,14 @@
                                 </p:cTn>
                               </p:par>
                               <p:par>
-                                <p:cTn id="11" presetID="10" presetClass="entr" presetSubtype="0" fill="hold" nodeType="withEffect">
+                                <p:cTn id="16" presetID="10" presetClass="entr" presetSubtype="0" fill="hold" nodeType="withEffect">
                                   <p:stCondLst>
                                     <p:cond delay="0"/>
                                   </p:stCondLst>
                                   <p:childTnLst>
                                     <p:set>
                                       <p:cBhvr>
-                                        <p:cTn id="12" dur="1" fill="hold">
+                                        <p:cTn id="17" dur="1" fill="hold">
                                           <p:stCondLst>
                                             <p:cond delay="0"/>
                                           </p:stCondLst>
@@ -22094,7 +22629,7 @@
                                     </p:set>
                                     <p:animEffect transition="in" filter="fade">
                                       <p:cBhvr>
-                                        <p:cTn id="13" dur="1000"/>
+                                        <p:cTn id="18" dur="1000"/>
                                         <p:tgtEl>
                                           <p:spTgt spid="273"/>
                                         </p:tgtEl>
@@ -22104,14 +22639,14 @@
                                 </p:cTn>
                               </p:par>
                               <p:par>
-                                <p:cTn id="14" presetID="10" presetClass="entr" presetSubtype="0" fill="hold" nodeType="withEffect">
+                                <p:cTn id="19" presetID="10" presetClass="entr" presetSubtype="0" fill="hold" nodeType="withEffect">
                                   <p:stCondLst>
                                     <p:cond delay="0"/>
                                   </p:stCondLst>
                                   <p:childTnLst>
                                     <p:set>
                                       <p:cBhvr>
-                                        <p:cTn id="15" dur="1" fill="hold">
+                                        <p:cTn id="20" dur="1" fill="hold">
                                           <p:stCondLst>
                                             <p:cond delay="0"/>
                                           </p:stCondLst>
@@ -22129,7 +22664,7 @@
                                     </p:set>
                                     <p:animEffect transition="in" filter="fade">
                                       <p:cBhvr>
-                                        <p:cTn id="16" dur="1500"/>
+                                        <p:cTn id="21" dur="1500"/>
                                         <p:tgtEl>
                                           <p:spTgt spid="269"/>
                                         </p:tgtEl>
@@ -22139,14 +22674,14 @@
                                 </p:cTn>
                               </p:par>
                               <p:par>
-                                <p:cTn id="17" presetID="10" presetClass="entr" presetSubtype="0" fill="hold" nodeType="withEffect">
+                                <p:cTn id="22" presetID="10" presetClass="entr" presetSubtype="0" fill="hold" nodeType="withEffect">
                                   <p:stCondLst>
                                     <p:cond delay="0"/>
                                   </p:stCondLst>
                                   <p:childTnLst>
                                     <p:set>
                                       <p:cBhvr>
-                                        <p:cTn id="18" dur="1" fill="hold">
+                                        <p:cTn id="23" dur="1" fill="hold">
                                           <p:stCondLst>
                                             <p:cond delay="0"/>
                                           </p:stCondLst>
@@ -22164,7 +22699,7 @@
                                     </p:set>
                                     <p:animEffect transition="in" filter="fade">
                                       <p:cBhvr>
-                                        <p:cTn id="19" dur="1000"/>
+                                        <p:cTn id="24" dur="1000"/>
                                         <p:tgtEl>
                                           <p:spTgt spid="271"/>
                                         </p:tgtEl>
@@ -22174,14 +22709,14 @@
                                 </p:cTn>
                               </p:par>
                               <p:par>
-                                <p:cTn id="20" presetID="10" presetClass="entr" presetSubtype="0" fill="hold" nodeType="withEffect">
+                                <p:cTn id="25" presetID="10" presetClass="entr" presetSubtype="0" fill="hold" nodeType="withEffect">
                                   <p:stCondLst>
                                     <p:cond delay="0"/>
                                   </p:stCondLst>
                                   <p:childTnLst>
                                     <p:set>
                                       <p:cBhvr>
-                                        <p:cTn id="21" dur="1" fill="hold">
+                                        <p:cTn id="26" dur="1" fill="hold">
                                           <p:stCondLst>
                                             <p:cond delay="0"/>
                                           </p:stCondLst>
@@ -22199,7 +22734,7 @@
                                     </p:set>
                                     <p:animEffect transition="in" filter="fade">
                                       <p:cBhvr>
-                                        <p:cTn id="22" dur="1000"/>
+                                        <p:cTn id="27" dur="1000"/>
                                         <p:tgtEl>
                                           <p:spTgt spid="270"/>
                                         </p:tgtEl>
@@ -22215,26 +22750,26 @@
                     </p:cTn>
                   </p:par>
                   <p:par>
-                    <p:cTn id="23" fill="hold">
+                    <p:cTn id="28" fill="hold">
                       <p:stCondLst>
                         <p:cond delay="indefinite"/>
                       </p:stCondLst>
                       <p:childTnLst>
                         <p:par>
-                          <p:cTn id="24" fill="hold">
+                          <p:cTn id="29" fill="hold">
                             <p:stCondLst>
                               <p:cond delay="0"/>
                             </p:stCondLst>
                             <p:childTnLst>
                               <p:par>
-                                <p:cTn id="25" presetID="10" presetClass="exit" presetSubtype="0" fill="hold" nodeType="clickEffect">
+                                <p:cTn id="30" presetID="10" presetClass="exit" presetSubtype="0" fill="hold" nodeType="clickEffect">
                                   <p:stCondLst>
                                     <p:cond delay="0"/>
                                   </p:stCondLst>
                                   <p:childTnLst>
                                     <p:animEffect transition="out" filter="fade">
                                       <p:cBhvr>
-                                        <p:cTn id="26" dur="1000"/>
+                                        <p:cTn id="31" dur="1000"/>
                                         <p:tgtEl>
                                           <p:spTgt spid="271"/>
                                         </p:tgtEl>
@@ -22242,7 +22777,7 @@
                                     </p:animEffect>
                                     <p:set>
                                       <p:cBhvr>
-                                        <p:cTn id="27" dur="1" fill="hold">
+                                        <p:cTn id="32" dur="1" fill="hold">
                                           <p:stCondLst>
                                             <p:cond delay="1000"/>
                                           </p:stCondLst>
@@ -22262,14 +22797,14 @@
                                 </p:cTn>
                               </p:par>
                               <p:par>
-                                <p:cTn id="28" presetID="10" presetClass="entr" presetSubtype="0" fill="hold" nodeType="withEffect">
+                                <p:cTn id="33" presetID="10" presetClass="entr" presetSubtype="0" fill="hold" nodeType="withEffect">
                                   <p:stCondLst>
                                     <p:cond delay="0"/>
                                   </p:stCondLst>
                                   <p:childTnLst>
                                     <p:set>
                                       <p:cBhvr>
-                                        <p:cTn id="29" dur="1" fill="hold">
+                                        <p:cTn id="34" dur="1" fill="hold">
                                           <p:stCondLst>
                                             <p:cond delay="0"/>
                                           </p:stCondLst>
@@ -22287,7 +22822,7 @@
                                     </p:set>
                                     <p:animEffect transition="in" filter="fade">
                                       <p:cBhvr>
-                                        <p:cTn id="30" dur="1000"/>
+                                        <p:cTn id="35" dur="1000"/>
                                         <p:tgtEl>
                                           <p:spTgt spid="274"/>
                                         </p:tgtEl>
@@ -22303,26 +22838,26 @@
                     </p:cTn>
                   </p:par>
                   <p:par>
-                    <p:cTn id="31" fill="hold">
+                    <p:cTn id="36" fill="hold">
                       <p:stCondLst>
                         <p:cond delay="indefinite"/>
                       </p:stCondLst>
                       <p:childTnLst>
                         <p:par>
-                          <p:cTn id="32" fill="hold">
+                          <p:cTn id="37" fill="hold">
                             <p:stCondLst>
                               <p:cond delay="0"/>
                             </p:stCondLst>
                             <p:childTnLst>
                               <p:par>
-                                <p:cTn id="33" presetID="10" presetClass="exit" presetSubtype="0" fill="hold" nodeType="clickEffect">
+                                <p:cTn id="38" presetID="10" presetClass="exit" presetSubtype="0" fill="hold" nodeType="clickEffect">
                                   <p:stCondLst>
                                     <p:cond delay="0"/>
                                   </p:stCondLst>
                                   <p:childTnLst>
                                     <p:animEffect transition="out" filter="fade">
                                       <p:cBhvr>
-                                        <p:cTn id="34" dur="1000"/>
+                                        <p:cTn id="39" dur="1000"/>
                                         <p:tgtEl>
                                           <p:spTgt spid="273"/>
                                         </p:tgtEl>
@@ -22330,7 +22865,7 @@
                                     </p:animEffect>
                                     <p:set>
                                       <p:cBhvr>
-                                        <p:cTn id="35" dur="1" fill="hold">
+                                        <p:cTn id="40" dur="1" fill="hold">
                                           <p:stCondLst>
                                             <p:cond delay="1000"/>
                                           </p:stCondLst>
@@ -22350,14 +22885,14 @@
                                 </p:cTn>
                               </p:par>
                               <p:par>
-                                <p:cTn id="36" presetID="10" presetClass="exit" presetSubtype="0" fill="hold" nodeType="withEffect">
+                                <p:cTn id="41" presetID="10" presetClass="exit" presetSubtype="0" fill="hold" nodeType="withEffect">
                                   <p:stCondLst>
                                     <p:cond delay="0"/>
                                   </p:stCondLst>
                                   <p:childTnLst>
                                     <p:animEffect transition="out" filter="fade">
                                       <p:cBhvr>
-                                        <p:cTn id="37" dur="1000"/>
+                                        <p:cTn id="42" dur="1000"/>
                                         <p:tgtEl>
                                           <p:spTgt spid="274"/>
                                         </p:tgtEl>
@@ -22365,7 +22900,7 @@
                                     </p:animEffect>
                                     <p:set>
                                       <p:cBhvr>
-                                        <p:cTn id="38" dur="1" fill="hold">
+                                        <p:cTn id="43" dur="1" fill="hold">
                                           <p:stCondLst>
                                             <p:cond delay="1000"/>
                                           </p:stCondLst>
@@ -22385,14 +22920,14 @@
                                 </p:cTn>
                               </p:par>
                               <p:par>
-                                <p:cTn id="39" presetID="10" presetClass="exit" presetSubtype="0" fill="hold" nodeType="withEffect">
+                                <p:cTn id="44" presetID="10" presetClass="exit" presetSubtype="0" fill="hold" nodeType="withEffect">
                                   <p:stCondLst>
                                     <p:cond delay="0"/>
                                   </p:stCondLst>
                                   <p:childTnLst>
                                     <p:animEffect transition="out" filter="fade">
                                       <p:cBhvr>
-                                        <p:cTn id="40" dur="1000"/>
+                                        <p:cTn id="45" dur="1000"/>
                                         <p:tgtEl>
                                           <p:spTgt spid="269"/>
                                         </p:tgtEl>
@@ -22400,7 +22935,7 @@
                                     </p:animEffect>
                                     <p:set>
                                       <p:cBhvr>
-                                        <p:cTn id="41" dur="1" fill="hold">
+                                        <p:cTn id="46" dur="1" fill="hold">
                                           <p:stCondLst>
                                             <p:cond delay="1000"/>
                                           </p:stCondLst>
@@ -22420,14 +22955,14 @@
                                 </p:cTn>
                               </p:par>
                               <p:par>
-                                <p:cTn id="42" presetID="10" presetClass="exit" presetSubtype="0" fill="hold" nodeType="withEffect">
+                                <p:cTn id="47" presetID="10" presetClass="exit" presetSubtype="0" fill="hold" nodeType="withEffect">
                                   <p:stCondLst>
                                     <p:cond delay="0"/>
                                   </p:stCondLst>
                                   <p:childTnLst>
                                     <p:animEffect transition="out" filter="fade">
                                       <p:cBhvr>
-                                        <p:cTn id="43" dur="1000"/>
+                                        <p:cTn id="48" dur="1000"/>
                                         <p:tgtEl>
                                           <p:spTgt spid="270"/>
                                         </p:tgtEl>
@@ -22435,7 +22970,7 @@
                                     </p:animEffect>
                                     <p:set>
                                       <p:cBhvr>
-                                        <p:cTn id="44" dur="1" fill="hold">
+                                        <p:cTn id="49" dur="1" fill="hold">
                                           <p:stCondLst>
                                             <p:cond delay="1000"/>
                                           </p:stCondLst>
@@ -22455,14 +22990,14 @@
                                 </p:cTn>
                               </p:par>
                               <p:par>
-                                <p:cTn id="45" presetID="10" presetClass="entr" presetSubtype="0" fill="hold" nodeType="withEffect">
+                                <p:cTn id="50" presetID="10" presetClass="entr" presetSubtype="0" fill="hold" nodeType="withEffect">
                                   <p:stCondLst>
                                     <p:cond delay="0"/>
                                   </p:stCondLst>
                                   <p:childTnLst>
                                     <p:set>
                                       <p:cBhvr>
-                                        <p:cTn id="46" dur="1" fill="hold">
+                                        <p:cTn id="51" dur="1" fill="hold">
                                           <p:stCondLst>
                                             <p:cond delay="0"/>
                                           </p:stCondLst>
@@ -22480,7 +23015,7 @@
                                     </p:set>
                                     <p:animEffect transition="in" filter="fade">
                                       <p:cBhvr>
-                                        <p:cTn id="47" dur="1000"/>
+                                        <p:cTn id="52" dur="1000"/>
                                         <p:tgtEl>
                                           <p:spTgt spid="277"/>
                                         </p:tgtEl>
@@ -22490,14 +23025,14 @@
                                 </p:cTn>
                               </p:par>
                               <p:par>
-                                <p:cTn id="48" presetID="10" presetClass="entr" presetSubtype="0" fill="hold" nodeType="withEffect">
+                                <p:cTn id="53" presetID="10" presetClass="entr" presetSubtype="0" fill="hold" nodeType="withEffect">
                                   <p:stCondLst>
                                     <p:cond delay="0"/>
                                   </p:stCondLst>
                                   <p:childTnLst>
                                     <p:set>
                                       <p:cBhvr>
-                                        <p:cTn id="49" dur="1" fill="hold">
+                                        <p:cTn id="54" dur="1" fill="hold">
                                           <p:stCondLst>
                                             <p:cond delay="0"/>
                                           </p:stCondLst>
@@ -22515,7 +23050,7 @@
                                     </p:set>
                                     <p:animEffect transition="in" filter="fade">
                                       <p:cBhvr>
-                                        <p:cTn id="50" dur="1000"/>
+                                        <p:cTn id="55" dur="1000"/>
                                         <p:tgtEl>
                                           <p:spTgt spid="276"/>
                                         </p:tgtEl>
@@ -22525,14 +23060,14 @@
                                 </p:cTn>
                               </p:par>
                               <p:par>
-                                <p:cTn id="51" presetID="10" presetClass="entr" presetSubtype="0" fill="hold" nodeType="withEffect">
+                                <p:cTn id="56" presetID="10" presetClass="entr" presetSubtype="0" fill="hold" nodeType="withEffect">
                                   <p:stCondLst>
                                     <p:cond delay="0"/>
                                   </p:stCondLst>
                                   <p:childTnLst>
                                     <p:set>
                                       <p:cBhvr>
-                                        <p:cTn id="52" dur="1" fill="hold">
+                                        <p:cTn id="57" dur="1" fill="hold">
                                           <p:stCondLst>
                                             <p:cond delay="0"/>
                                           </p:stCondLst>
@@ -22550,7 +23085,7 @@
                                     </p:set>
                                     <p:animEffect transition="in" filter="fade">
                                       <p:cBhvr>
-                                        <p:cTn id="53" dur="1000"/>
+                                        <p:cTn id="58" dur="1000"/>
                                         <p:tgtEl>
                                           <p:spTgt spid="275"/>
                                         </p:tgtEl>
@@ -22560,14 +23095,14 @@
                                 </p:cTn>
                               </p:par>
                               <p:par>
-                                <p:cTn id="54" presetID="10" presetClass="entr" presetSubtype="0" fill="hold" nodeType="withEffect">
+                                <p:cTn id="59" presetID="10" presetClass="entr" presetSubtype="0" fill="hold" nodeType="withEffect">
                                   <p:stCondLst>
                                     <p:cond delay="0"/>
                                   </p:stCondLst>
                                   <p:childTnLst>
                                     <p:set>
                                       <p:cBhvr>
-                                        <p:cTn id="55" dur="1" fill="hold">
+                                        <p:cTn id="60" dur="1" fill="hold">
                                           <p:stCondLst>
                                             <p:cond delay="0"/>
                                           </p:stCondLst>
@@ -22585,7 +23120,7 @@
                                     </p:set>
                                     <p:animEffect transition="in" filter="fade">
                                       <p:cBhvr>
-                                        <p:cTn id="56" dur="1000"/>
+                                        <p:cTn id="61" dur="1000"/>
                                         <p:tgtEl>
                                           <p:spTgt spid="280"/>
                                         </p:tgtEl>
@@ -22595,14 +23130,14 @@
                                 </p:cTn>
                               </p:par>
                               <p:par>
-                                <p:cTn id="57" presetID="10" presetClass="entr" presetSubtype="0" fill="hold" nodeType="withEffect">
+                                <p:cTn id="62" presetID="10" presetClass="entr" presetSubtype="0" fill="hold" nodeType="withEffect">
                                   <p:stCondLst>
                                     <p:cond delay="0"/>
                                   </p:stCondLst>
                                   <p:childTnLst>
                                     <p:set>
                                       <p:cBhvr>
-                                        <p:cTn id="58" dur="1" fill="hold">
+                                        <p:cTn id="63" dur="1" fill="hold">
                                           <p:stCondLst>
                                             <p:cond delay="0"/>
                                           </p:stCondLst>
@@ -22620,7 +23155,7 @@
                                     </p:set>
                                     <p:animEffect transition="in" filter="fade">
                                       <p:cBhvr>
-                                        <p:cTn id="59" dur="1000"/>
+                                        <p:cTn id="64" dur="1000"/>
                                         <p:tgtEl>
                                           <p:spTgt spid="281"/>
                                         </p:tgtEl>
@@ -22636,26 +23171,26 @@
                     </p:cTn>
                   </p:par>
                   <p:par>
-                    <p:cTn id="60" fill="hold">
+                    <p:cTn id="65" fill="hold">
                       <p:stCondLst>
                         <p:cond delay="indefinite"/>
                       </p:stCondLst>
                       <p:childTnLst>
                         <p:par>
-                          <p:cTn id="61" fill="hold">
+                          <p:cTn id="66" fill="hold">
                             <p:stCondLst>
                               <p:cond delay="0"/>
                             </p:stCondLst>
                             <p:childTnLst>
                               <p:par>
-                                <p:cTn id="62" presetID="10" presetClass="entr" presetSubtype="0" fill="hold" nodeType="clickEffect">
+                                <p:cTn id="67" presetID="10" presetClass="entr" presetSubtype="0" fill="hold" nodeType="clickEffect">
                                   <p:stCondLst>
                                     <p:cond delay="0"/>
                                   </p:stCondLst>
                                   <p:childTnLst>
                                     <p:set>
                                       <p:cBhvr>
-                                        <p:cTn id="63" dur="1" fill="hold">
+                                        <p:cTn id="68" dur="1" fill="hold">
                                           <p:stCondLst>
                                             <p:cond delay="0"/>
                                           </p:stCondLst>
@@ -22673,7 +23208,7 @@
                                     </p:set>
                                     <p:animEffect transition="in" filter="fade">
                                       <p:cBhvr>
-                                        <p:cTn id="64" dur="1000"/>
+                                        <p:cTn id="69" dur="1000"/>
                                         <p:tgtEl>
                                           <p:spTgt spid="278"/>
                                         </p:tgtEl>
@@ -22683,14 +23218,14 @@
                                 </p:cTn>
                               </p:par>
                               <p:par>
-                                <p:cTn id="65" presetID="10" presetClass="entr" presetSubtype="0" fill="hold" nodeType="withEffect">
+                                <p:cTn id="70" presetID="10" presetClass="entr" presetSubtype="0" fill="hold" nodeType="withEffect">
                                   <p:stCondLst>
                                     <p:cond delay="0"/>
                                   </p:stCondLst>
                                   <p:childTnLst>
                                     <p:set>
                                       <p:cBhvr>
-                                        <p:cTn id="66" dur="1" fill="hold">
+                                        <p:cTn id="71" dur="1" fill="hold">
                                           <p:stCondLst>
                                             <p:cond delay="0"/>
                                           </p:stCondLst>
@@ -22708,7 +23243,7 @@
                                     </p:set>
                                     <p:animEffect transition="in" filter="fade">
                                       <p:cBhvr>
-                                        <p:cTn id="67" dur="1000"/>
+                                        <p:cTn id="72" dur="1000"/>
                                         <p:tgtEl>
                                           <p:spTgt spid="279"/>
                                         </p:tgtEl>
@@ -22718,14 +23253,14 @@
                                 </p:cTn>
                               </p:par>
                               <p:par>
-                                <p:cTn id="68" presetID="10" presetClass="exit" presetSubtype="0" fill="hold" nodeType="withEffect">
+                                <p:cTn id="73" presetID="10" presetClass="exit" presetSubtype="0" fill="hold" nodeType="withEffect">
                                   <p:stCondLst>
                                     <p:cond delay="0"/>
                                   </p:stCondLst>
                                   <p:childTnLst>
                                     <p:animEffect transition="out" filter="fade">
                                       <p:cBhvr>
-                                        <p:cTn id="69" dur="1000"/>
+                                        <p:cTn id="74" dur="1000"/>
                                         <p:tgtEl>
                                           <p:spTgt spid="280"/>
                                         </p:tgtEl>
@@ -22733,7 +23268,7 @@
                                     </p:animEffect>
                                     <p:set>
                                       <p:cBhvr>
-                                        <p:cTn id="70" dur="1" fill="hold">
+                                        <p:cTn id="75" dur="1" fill="hold">
                                           <p:stCondLst>
                                             <p:cond delay="1000"/>
                                           </p:stCondLst>
@@ -22753,14 +23288,14 @@
                                 </p:cTn>
                               </p:par>
                               <p:par>
-                                <p:cTn id="71" presetID="10" presetClass="exit" presetSubtype="0" fill="hold" nodeType="withEffect">
+                                <p:cTn id="76" presetID="10" presetClass="exit" presetSubtype="0" fill="hold" nodeType="withEffect">
                                   <p:stCondLst>
                                     <p:cond delay="0"/>
                                   </p:stCondLst>
                                   <p:childTnLst>
                                     <p:animEffect transition="out" filter="fade">
                                       <p:cBhvr>
-                                        <p:cTn id="72" dur="1000"/>
+                                        <p:cTn id="77" dur="1000"/>
                                         <p:tgtEl>
                                           <p:spTgt spid="281"/>
                                         </p:tgtEl>
@@ -22768,7 +23303,7 @@
                                     </p:animEffect>
                                     <p:set>
                                       <p:cBhvr>
-                                        <p:cTn id="73" dur="1" fill="hold">
+                                        <p:cTn id="78" dur="1" fill="hold">
                                           <p:stCondLst>
                                             <p:cond delay="1000"/>
                                           </p:stCondLst>
@@ -22794,26 +23329,26 @@
                     </p:cTn>
                   </p:par>
                   <p:par>
-                    <p:cTn id="74" fill="hold">
+                    <p:cTn id="79" fill="hold">
                       <p:stCondLst>
                         <p:cond delay="indefinite"/>
                       </p:stCondLst>
                       <p:childTnLst>
                         <p:par>
-                          <p:cTn id="75" fill="hold">
+                          <p:cTn id="80" fill="hold">
                             <p:stCondLst>
                               <p:cond delay="0"/>
                             </p:stCondLst>
                             <p:childTnLst>
                               <p:par>
-                                <p:cTn id="76" presetID="10" presetClass="entr" presetSubtype="0" fill="hold" nodeType="clickEffect">
+                                <p:cTn id="81" presetID="10" presetClass="entr" presetSubtype="0" fill="hold" nodeType="clickEffect">
                                   <p:stCondLst>
                                     <p:cond delay="0"/>
                                   </p:stCondLst>
                                   <p:childTnLst>
                                     <p:set>
                                       <p:cBhvr>
-                                        <p:cTn id="77" dur="1" fill="hold">
+                                        <p:cTn id="82" dur="1" fill="hold">
                                           <p:stCondLst>
                                             <p:cond delay="0"/>
                                           </p:stCondLst>
@@ -22831,7 +23366,7 @@
                                     </p:set>
                                     <p:animEffect transition="in" filter="fade">
                                       <p:cBhvr>
-                                        <p:cTn id="78" dur="900"/>
+                                        <p:cTn id="83" dur="900"/>
                                         <p:tgtEl>
                                           <p:spTgt spid="283"/>
                                         </p:tgtEl>
@@ -22841,14 +23376,14 @@
                                 </p:cTn>
                               </p:par>
                               <p:par>
-                                <p:cTn id="79" presetID="10" presetClass="entr" presetSubtype="0" fill="hold" nodeType="withEffect">
+                                <p:cTn id="84" presetID="10" presetClass="entr" presetSubtype="0" fill="hold" nodeType="withEffect">
                                   <p:stCondLst>
                                     <p:cond delay="0"/>
                                   </p:stCondLst>
                                   <p:childTnLst>
                                     <p:set>
                                       <p:cBhvr>
-                                        <p:cTn id="80" dur="1" fill="hold">
+                                        <p:cTn id="85" dur="1" fill="hold">
                                           <p:stCondLst>
                                             <p:cond delay="0"/>
                                           </p:stCondLst>
@@ -22866,7 +23401,7 @@
                                     </p:set>
                                     <p:animEffect transition="in" filter="fade">
                                       <p:cBhvr>
-                                        <p:cTn id="81" dur="1000"/>
+                                        <p:cTn id="86" dur="1000"/>
                                         <p:tgtEl>
                                           <p:spTgt spid="282"/>
                                         </p:tgtEl>
@@ -22876,14 +23411,14 @@
                                 </p:cTn>
                               </p:par>
                               <p:par>
-                                <p:cTn id="82" presetID="10" presetClass="exit" presetSubtype="0" fill="hold" nodeType="withEffect">
+                                <p:cTn id="87" presetID="10" presetClass="exit" presetSubtype="0" fill="hold" nodeType="withEffect">
                                   <p:stCondLst>
                                     <p:cond delay="0"/>
                                   </p:stCondLst>
                                   <p:childTnLst>
                                     <p:animEffect transition="out" filter="fade">
                                       <p:cBhvr>
-                                        <p:cTn id="83" dur="900"/>
+                                        <p:cTn id="88" dur="900"/>
                                         <p:tgtEl>
                                           <p:spTgt spid="278"/>
                                         </p:tgtEl>
@@ -22891,7 +23426,7 @@
                                     </p:animEffect>
                                     <p:set>
                                       <p:cBhvr>
-                                        <p:cTn id="84" dur="1" fill="hold">
+                                        <p:cTn id="89" dur="1" fill="hold">
                                           <p:stCondLst>
                                             <p:cond delay="900"/>
                                           </p:stCondLst>
@@ -22911,14 +23446,14 @@
                                 </p:cTn>
                               </p:par>
                               <p:par>
-                                <p:cTn id="85" presetID="10" presetClass="exit" presetSubtype="0" fill="hold" nodeType="withEffect">
+                                <p:cTn id="90" presetID="10" presetClass="exit" presetSubtype="0" fill="hold" nodeType="withEffect">
                                   <p:stCondLst>
                                     <p:cond delay="0"/>
                                   </p:stCondLst>
                                   <p:childTnLst>
                                     <p:animEffect transition="out" filter="fade">
                                       <p:cBhvr>
-                                        <p:cTn id="86" dur="800"/>
+                                        <p:cTn id="91" dur="800"/>
                                         <p:tgtEl>
                                           <p:spTgt spid="279"/>
                                         </p:tgtEl>
@@ -22926,7 +23461,7 @@
                                     </p:animEffect>
                                     <p:set>
                                       <p:cBhvr>
-                                        <p:cTn id="87" dur="1" fill="hold">
+                                        <p:cTn id="92" dur="1" fill="hold">
                                           <p:stCondLst>
                                             <p:cond delay="800"/>
                                           </p:stCondLst>
@@ -22972,6 +23507,9 @@
         </p:cTn>
       </p:par>
     </p:tnLst>
+    <p:bldLst>
+      <p:bldP spid="284" grpId="0"/>
+    </p:bldLst>
   </p:timing>
 </p:sld>
 </file>
@@ -23028,10 +23566,10 @@
               <a:buNone/>
             </a:pPr>
             <a:r>
-              <a:rPr lang="en"/>
+              <a:rPr lang="en" dirty="0"/>
               <a:t>O NOSSO TRABALHO EM NÚMEROS</a:t>
             </a:r>
-            <a:endParaRPr/>
+            <a:endParaRPr dirty="0"/>
           </a:p>
         </p:txBody>
       </p:sp>
@@ -23148,10 +23686,10 @@
               <a:buNone/>
             </a:pPr>
             <a:r>
-              <a:rPr lang="en"/>
+              <a:rPr lang="en" dirty="0"/>
               <a:t>1573</a:t>
             </a:r>
-            <a:endParaRPr/>
+            <a:endParaRPr dirty="0"/>
           </a:p>
         </p:txBody>
       </p:sp>
@@ -23190,10 +23728,10 @@
               <a:buNone/>
             </a:pPr>
             <a:r>
-              <a:rPr lang="en"/>
+              <a:rPr lang="en" dirty="0"/>
               <a:t>29</a:t>
             </a:r>
-            <a:endParaRPr/>
+            <a:endParaRPr dirty="0"/>
           </a:p>
         </p:txBody>
       </p:sp>
@@ -23232,10 +23770,10 @@
               <a:buNone/>
             </a:pPr>
             <a:r>
-              <a:rPr lang="en"/>
+              <a:rPr lang="en" dirty="0"/>
               <a:t>0</a:t>
             </a:r>
-            <a:endParaRPr/>
+            <a:endParaRPr dirty="0"/>
           </a:p>
         </p:txBody>
       </p:sp>
@@ -23562,6 +24100,324 @@
           </a:ln>
         </p:spPr>
       </p:pic>
+      <p:sp>
+        <p:nvSpPr>
+          <p:cNvPr id="16" name="Google Shape;284;p32">
+            <a:extLst>
+              <a:ext uri="{FF2B5EF4-FFF2-40B4-BE49-F238E27FC236}">
+                <a16:creationId xmlns:a16="http://schemas.microsoft.com/office/drawing/2014/main" id="{FF233B8A-5191-4920-A0C9-BD9A86BC3321}"/>
+              </a:ext>
+            </a:extLst>
+          </p:cNvPr>
+          <p:cNvSpPr txBox="1">
+            <a:spLocks/>
+          </p:cNvSpPr>
+          <p:nvPr/>
+        </p:nvSpPr>
+        <p:spPr>
+          <a:xfrm flipH="1">
+            <a:off x="1174003" y="1992888"/>
+            <a:ext cx="5195700" cy="1921200"/>
+          </a:xfrm>
+          <a:prstGeom prst="rect">
+            <a:avLst/>
+          </a:prstGeom>
+          <a:noFill/>
+          <a:ln>
+            <a:noFill/>
+          </a:ln>
+        </p:spPr>
+        <p:txBody>
+          <a:bodyPr spcFirstLastPara="1" wrap="square" lIns="91425" tIns="91425" rIns="91425" bIns="91425" anchor="t" anchorCtr="0">
+            <a:noAutofit/>
+          </a:bodyPr>
+          <a:lstStyle>
+            <a:defPPr marR="0" lvl="0" algn="l" rtl="0">
+              <a:lnSpc>
+                <a:spcPct val="100000"/>
+              </a:lnSpc>
+              <a:spcBef>
+                <a:spcPts val="0"/>
+              </a:spcBef>
+              <a:spcAft>
+                <a:spcPts val="0"/>
+              </a:spcAft>
+            </a:defPPr>
+            <a:lvl1pPr marR="0" lvl="0" algn="l" rtl="0">
+              <a:lnSpc>
+                <a:spcPct val="100000"/>
+              </a:lnSpc>
+              <a:spcBef>
+                <a:spcPts val="0"/>
+              </a:spcBef>
+              <a:spcAft>
+                <a:spcPts val="0"/>
+              </a:spcAft>
+              <a:buClr>
+                <a:schemeClr val="dk1"/>
+              </a:buClr>
+              <a:buSzPts val="2800"/>
+              <a:buFont typeface="Exo 2"/>
+              <a:buNone/>
+              <a:defRPr sz="2800" b="1" i="0" u="none" strike="noStrike" cap="none">
+                <a:solidFill>
+                  <a:schemeClr val="dk1"/>
+                </a:solidFill>
+                <a:latin typeface="Exo 2"/>
+                <a:ea typeface="Exo 2"/>
+                <a:cs typeface="Exo 2"/>
+                <a:sym typeface="Exo 2"/>
+              </a:defRPr>
+            </a:lvl1pPr>
+            <a:lvl2pPr marR="0" lvl="1" algn="l" rtl="0">
+              <a:lnSpc>
+                <a:spcPct val="100000"/>
+              </a:lnSpc>
+              <a:spcBef>
+                <a:spcPts val="0"/>
+              </a:spcBef>
+              <a:spcAft>
+                <a:spcPts val="0"/>
+              </a:spcAft>
+              <a:buClr>
+                <a:schemeClr val="dk1"/>
+              </a:buClr>
+              <a:buSzPts val="2800"/>
+              <a:buFont typeface="Squada One"/>
+              <a:buNone/>
+              <a:defRPr sz="2800" b="0" i="0" u="none" strike="noStrike" cap="none">
+                <a:solidFill>
+                  <a:schemeClr val="dk1"/>
+                </a:solidFill>
+                <a:latin typeface="Squada One"/>
+                <a:ea typeface="Squada One"/>
+                <a:cs typeface="Squada One"/>
+                <a:sym typeface="Squada One"/>
+              </a:defRPr>
+            </a:lvl2pPr>
+            <a:lvl3pPr marR="0" lvl="2" algn="l" rtl="0">
+              <a:lnSpc>
+                <a:spcPct val="100000"/>
+              </a:lnSpc>
+              <a:spcBef>
+                <a:spcPts val="0"/>
+              </a:spcBef>
+              <a:spcAft>
+                <a:spcPts val="0"/>
+              </a:spcAft>
+              <a:buClr>
+                <a:schemeClr val="dk1"/>
+              </a:buClr>
+              <a:buSzPts val="2800"/>
+              <a:buFont typeface="Squada One"/>
+              <a:buNone/>
+              <a:defRPr sz="2800" b="0" i="0" u="none" strike="noStrike" cap="none">
+                <a:solidFill>
+                  <a:schemeClr val="dk1"/>
+                </a:solidFill>
+                <a:latin typeface="Squada One"/>
+                <a:ea typeface="Squada One"/>
+                <a:cs typeface="Squada One"/>
+                <a:sym typeface="Squada One"/>
+              </a:defRPr>
+            </a:lvl3pPr>
+            <a:lvl4pPr marR="0" lvl="3" algn="l" rtl="0">
+              <a:lnSpc>
+                <a:spcPct val="100000"/>
+              </a:lnSpc>
+              <a:spcBef>
+                <a:spcPts val="0"/>
+              </a:spcBef>
+              <a:spcAft>
+                <a:spcPts val="0"/>
+              </a:spcAft>
+              <a:buClr>
+                <a:schemeClr val="dk1"/>
+              </a:buClr>
+              <a:buSzPts val="2800"/>
+              <a:buFont typeface="Squada One"/>
+              <a:buNone/>
+              <a:defRPr sz="2800" b="0" i="0" u="none" strike="noStrike" cap="none">
+                <a:solidFill>
+                  <a:schemeClr val="dk1"/>
+                </a:solidFill>
+                <a:latin typeface="Squada One"/>
+                <a:ea typeface="Squada One"/>
+                <a:cs typeface="Squada One"/>
+                <a:sym typeface="Squada One"/>
+              </a:defRPr>
+            </a:lvl4pPr>
+            <a:lvl5pPr marR="0" lvl="4" algn="l" rtl="0">
+              <a:lnSpc>
+                <a:spcPct val="100000"/>
+              </a:lnSpc>
+              <a:spcBef>
+                <a:spcPts val="0"/>
+              </a:spcBef>
+              <a:spcAft>
+                <a:spcPts val="0"/>
+              </a:spcAft>
+              <a:buClr>
+                <a:schemeClr val="dk1"/>
+              </a:buClr>
+              <a:buSzPts val="2800"/>
+              <a:buFont typeface="Squada One"/>
+              <a:buNone/>
+              <a:defRPr sz="2800" b="0" i="0" u="none" strike="noStrike" cap="none">
+                <a:solidFill>
+                  <a:schemeClr val="dk1"/>
+                </a:solidFill>
+                <a:latin typeface="Squada One"/>
+                <a:ea typeface="Squada One"/>
+                <a:cs typeface="Squada One"/>
+                <a:sym typeface="Squada One"/>
+              </a:defRPr>
+            </a:lvl5pPr>
+            <a:lvl6pPr marR="0" lvl="5" algn="l" rtl="0">
+              <a:lnSpc>
+                <a:spcPct val="100000"/>
+              </a:lnSpc>
+              <a:spcBef>
+                <a:spcPts val="0"/>
+              </a:spcBef>
+              <a:spcAft>
+                <a:spcPts val="0"/>
+              </a:spcAft>
+              <a:buClr>
+                <a:schemeClr val="dk1"/>
+              </a:buClr>
+              <a:buSzPts val="2800"/>
+              <a:buFont typeface="Squada One"/>
+              <a:buNone/>
+              <a:defRPr sz="2800" b="0" i="0" u="none" strike="noStrike" cap="none">
+                <a:solidFill>
+                  <a:schemeClr val="dk1"/>
+                </a:solidFill>
+                <a:latin typeface="Squada One"/>
+                <a:ea typeface="Squada One"/>
+                <a:cs typeface="Squada One"/>
+                <a:sym typeface="Squada One"/>
+              </a:defRPr>
+            </a:lvl6pPr>
+            <a:lvl7pPr marR="0" lvl="6" algn="l" rtl="0">
+              <a:lnSpc>
+                <a:spcPct val="100000"/>
+              </a:lnSpc>
+              <a:spcBef>
+                <a:spcPts val="0"/>
+              </a:spcBef>
+              <a:spcAft>
+                <a:spcPts val="0"/>
+              </a:spcAft>
+              <a:buClr>
+                <a:schemeClr val="dk1"/>
+              </a:buClr>
+              <a:buSzPts val="2800"/>
+              <a:buFont typeface="Squada One"/>
+              <a:buNone/>
+              <a:defRPr sz="2800" b="0" i="0" u="none" strike="noStrike" cap="none">
+                <a:solidFill>
+                  <a:schemeClr val="dk1"/>
+                </a:solidFill>
+                <a:latin typeface="Squada One"/>
+                <a:ea typeface="Squada One"/>
+                <a:cs typeface="Squada One"/>
+                <a:sym typeface="Squada One"/>
+              </a:defRPr>
+            </a:lvl7pPr>
+            <a:lvl8pPr marR="0" lvl="7" algn="l" rtl="0">
+              <a:lnSpc>
+                <a:spcPct val="100000"/>
+              </a:lnSpc>
+              <a:spcBef>
+                <a:spcPts val="0"/>
+              </a:spcBef>
+              <a:spcAft>
+                <a:spcPts val="0"/>
+              </a:spcAft>
+              <a:buClr>
+                <a:schemeClr val="dk1"/>
+              </a:buClr>
+              <a:buSzPts val="2800"/>
+              <a:buFont typeface="Squada One"/>
+              <a:buNone/>
+              <a:defRPr sz="2800" b="0" i="0" u="none" strike="noStrike" cap="none">
+                <a:solidFill>
+                  <a:schemeClr val="dk1"/>
+                </a:solidFill>
+                <a:latin typeface="Squada One"/>
+                <a:ea typeface="Squada One"/>
+                <a:cs typeface="Squada One"/>
+                <a:sym typeface="Squada One"/>
+              </a:defRPr>
+            </a:lvl8pPr>
+            <a:lvl9pPr marR="0" lvl="8" algn="l" rtl="0">
+              <a:lnSpc>
+                <a:spcPct val="100000"/>
+              </a:lnSpc>
+              <a:spcBef>
+                <a:spcPts val="0"/>
+              </a:spcBef>
+              <a:spcAft>
+                <a:spcPts val="0"/>
+              </a:spcAft>
+              <a:buClr>
+                <a:schemeClr val="dk1"/>
+              </a:buClr>
+              <a:buSzPts val="2800"/>
+              <a:buFont typeface="Squada One"/>
+              <a:buNone/>
+              <a:defRPr sz="2800" b="0" i="0" u="none" strike="noStrike" cap="none">
+                <a:solidFill>
+                  <a:schemeClr val="dk1"/>
+                </a:solidFill>
+                <a:latin typeface="Squada One"/>
+                <a:ea typeface="Squada One"/>
+                <a:cs typeface="Squada One"/>
+                <a:sym typeface="Squada One"/>
+              </a:defRPr>
+            </a:lvl9pPr>
+          </a:lstStyle>
+          <a:p>
+            <a:r>
+              <a:rPr lang="pt-PT" dirty="0"/>
+              <a:t>CONCLUSÕES</a:t>
+            </a:r>
+          </a:p>
+        </p:txBody>
+      </p:sp>
+      <p:cxnSp>
+        <p:nvCxnSpPr>
+          <p:cNvPr id="17" name="Google Shape;285;p32">
+            <a:extLst>
+              <a:ext uri="{FF2B5EF4-FFF2-40B4-BE49-F238E27FC236}">
+                <a16:creationId xmlns:a16="http://schemas.microsoft.com/office/drawing/2014/main" id="{09C51A9C-492A-457F-8E46-6431C7D170B1}"/>
+              </a:ext>
+            </a:extLst>
+          </p:cNvPr>
+          <p:cNvCxnSpPr/>
+          <p:nvPr/>
+        </p:nvCxnSpPr>
+        <p:spPr>
+          <a:xfrm>
+            <a:off x="0" y="2737950"/>
+            <a:ext cx="1676700" cy="0"/>
+          </a:xfrm>
+          <a:prstGeom prst="straightConnector1">
+            <a:avLst/>
+          </a:prstGeom>
+          <a:noFill/>
+          <a:ln w="9525" cap="flat" cmpd="sng">
+            <a:solidFill>
+              <a:schemeClr val="dk1"/>
+            </a:solidFill>
+            <a:prstDash val="solid"/>
+            <a:round/>
+            <a:headEnd type="none" w="med" len="med"/>
+            <a:tailEnd type="none" w="med" len="med"/>
+          </a:ln>
+        </p:spPr>
+      </p:cxnSp>
     </p:spTree>
   </p:cSld>
   <p:clrMapOvr>
@@ -23588,7 +24444,7 @@
                             </p:stCondLst>
                             <p:childTnLst>
                               <p:par>
-                                <p:cTn id="5" presetID="10" presetClass="entr" presetSubtype="0" fill="hold" nodeType="clickEffect">
+                                <p:cTn id="5" presetID="10" presetClass="entr" presetSubtype="0" fill="hold" grpId="0" nodeType="clickEffect">
                                   <p:stCondLst>
                                     <p:cond delay="0"/>
                                   </p:stCondLst>
@@ -23601,7 +24457,7 @@
                                           </p:stCondLst>
                                         </p:cTn>
                                         <p:tgtEl>
-                                          <p:spTgt spid="290"/>
+                                          <p:spTgt spid="16"/>
                                         </p:tgtEl>
                                         <p:attrNameLst>
                                           <p:attrName>style.visibility</p:attrName>
@@ -23613,9 +24469,9 @@
                                     </p:set>
                                     <p:animEffect transition="in" filter="fade">
                                       <p:cBhvr>
-                                        <p:cTn id="7" dur="1000"/>
+                                        <p:cTn id="7" dur="500"/>
                                         <p:tgtEl>
-                                          <p:spTgt spid="290"/>
+                                          <p:spTgt spid="16"/>
                                         </p:tgtEl>
                                       </p:cBhvr>
                                     </p:animEffect>
@@ -23641,14 +24497,137 @@
                             </p:stCondLst>
                             <p:childTnLst>
                               <p:par>
-                                <p:cTn id="10" presetID="10" presetClass="entr" presetSubtype="0" fill="hold" nodeType="clickEffect">
+                                <p:cTn id="10" presetID="10" presetClass="exit" presetSubtype="0" fill="hold" grpId="1" nodeType="clickEffect">
+                                  <p:stCondLst>
+                                    <p:cond delay="0"/>
+                                  </p:stCondLst>
+                                  <p:childTnLst>
+                                    <p:animEffect transition="out" filter="fade">
+                                      <p:cBhvr>
+                                        <p:cTn id="11" dur="500"/>
+                                        <p:tgtEl>
+                                          <p:spTgt spid="16"/>
+                                        </p:tgtEl>
+                                      </p:cBhvr>
+                                    </p:animEffect>
+                                    <p:set>
+                                      <p:cBhvr>
+                                        <p:cTn id="12" dur="1" fill="hold">
+                                          <p:stCondLst>
+                                            <p:cond delay="499"/>
+                                          </p:stCondLst>
+                                        </p:cTn>
+                                        <p:tgtEl>
+                                          <p:spTgt spid="16"/>
+                                        </p:tgtEl>
+                                        <p:attrNameLst>
+                                          <p:attrName>style.visibility</p:attrName>
+                                        </p:attrNameLst>
+                                      </p:cBhvr>
+                                      <p:to>
+                                        <p:strVal val="hidden"/>
+                                      </p:to>
+                                    </p:set>
+                                  </p:childTnLst>
+                                </p:cTn>
+                              </p:par>
+                              <p:par>
+                                <p:cTn id="13" presetID="10" presetClass="exit" presetSubtype="0" fill="hold" nodeType="withEffect">
+                                  <p:stCondLst>
+                                    <p:cond delay="0"/>
+                                  </p:stCondLst>
+                                  <p:childTnLst>
+                                    <p:animEffect transition="out" filter="fade">
+                                      <p:cBhvr>
+                                        <p:cTn id="14" dur="500"/>
+                                        <p:tgtEl>
+                                          <p:spTgt spid="17"/>
+                                        </p:tgtEl>
+                                      </p:cBhvr>
+                                    </p:animEffect>
+                                    <p:set>
+                                      <p:cBhvr>
+                                        <p:cTn id="15" dur="1" fill="hold">
+                                          <p:stCondLst>
+                                            <p:cond delay="499"/>
+                                          </p:stCondLst>
+                                        </p:cTn>
+                                        <p:tgtEl>
+                                          <p:spTgt spid="17"/>
+                                        </p:tgtEl>
+                                        <p:attrNameLst>
+                                          <p:attrName>style.visibility</p:attrName>
+                                        </p:attrNameLst>
+                                      </p:cBhvr>
+                                      <p:to>
+                                        <p:strVal val="hidden"/>
+                                      </p:to>
+                                    </p:set>
+                                  </p:childTnLst>
+                                </p:cTn>
+                              </p:par>
+                              <p:par>
+                                <p:cTn id="16" presetID="10" presetClass="entr" presetSubtype="0" fill="hold" nodeType="withEffect">
                                   <p:stCondLst>
                                     <p:cond delay="0"/>
                                   </p:stCondLst>
                                   <p:childTnLst>
                                     <p:set>
                                       <p:cBhvr>
-                                        <p:cTn id="11" dur="1" fill="hold">
+                                        <p:cTn id="17" dur="1" fill="hold">
+                                          <p:stCondLst>
+                                            <p:cond delay="0"/>
+                                          </p:stCondLst>
+                                        </p:cTn>
+                                        <p:tgtEl>
+                                          <p:spTgt spid="290"/>
+                                        </p:tgtEl>
+                                        <p:attrNameLst>
+                                          <p:attrName>style.visibility</p:attrName>
+                                        </p:attrNameLst>
+                                      </p:cBhvr>
+                                      <p:to>
+                                        <p:strVal val="visible"/>
+                                      </p:to>
+                                    </p:set>
+                                    <p:animEffect transition="in" filter="fade">
+                                      <p:cBhvr>
+                                        <p:cTn id="18" dur="1000"/>
+                                        <p:tgtEl>
+                                          <p:spTgt spid="290"/>
+                                        </p:tgtEl>
+                                      </p:cBhvr>
+                                    </p:animEffect>
+                                  </p:childTnLst>
+                                </p:cTn>
+                              </p:par>
+                            </p:childTnLst>
+                          </p:cTn>
+                        </p:par>
+                      </p:childTnLst>
+                    </p:cTn>
+                  </p:par>
+                  <p:par>
+                    <p:cTn id="19" fill="hold">
+                      <p:stCondLst>
+                        <p:cond delay="indefinite"/>
+                      </p:stCondLst>
+                      <p:childTnLst>
+                        <p:par>
+                          <p:cTn id="20" fill="hold">
+                            <p:stCondLst>
+                              <p:cond delay="0"/>
+                            </p:stCondLst>
+                            <p:childTnLst>
+                              <p:par>
+                                <p:cTn id="21" presetID="10" presetClass="entr" presetSubtype="0" fill="hold" nodeType="clickEffect">
+                                  <p:stCondLst>
+                                    <p:cond delay="0"/>
+                                  </p:stCondLst>
+                                  <p:childTnLst>
+                                    <p:set>
+                                      <p:cBhvr>
+                                        <p:cTn id="22" dur="1" fill="hold">
                                           <p:stCondLst>
                                             <p:cond delay="0"/>
                                           </p:stCondLst>
@@ -23666,7 +24645,7 @@
                                     </p:set>
                                     <p:animEffect transition="in" filter="fade">
                                       <p:cBhvr>
-                                        <p:cTn id="12" dur="1000"/>
+                                        <p:cTn id="23" dur="1000"/>
                                         <p:tgtEl>
                                           <p:spTgt spid="294"/>
                                         </p:tgtEl>
@@ -23679,20 +24658,64 @@
                           </p:cTn>
                         </p:par>
                         <p:par>
-                          <p:cTn id="13" fill="hold">
+                          <p:cTn id="24" fill="hold">
                             <p:stCondLst>
                               <p:cond delay="1000"/>
                             </p:stCondLst>
                             <p:childTnLst>
                               <p:par>
-                                <p:cTn id="14" presetID="10" presetClass="entr" presetSubtype="0" fill="hold" nodeType="afterEffect">
+                                <p:cTn id="25" presetID="10" presetClass="entr" presetSubtype="0" fill="hold" grpId="0" nodeType="afterEffect">
                                   <p:stCondLst>
                                     <p:cond delay="0"/>
                                   </p:stCondLst>
                                   <p:childTnLst>
                                     <p:set>
                                       <p:cBhvr>
-                                        <p:cTn id="15" dur="1" fill="hold">
+                                        <p:cTn id="26" dur="1" fill="hold">
+                                          <p:stCondLst>
+                                            <p:cond delay="0"/>
+                                          </p:stCondLst>
+                                        </p:cTn>
+                                        <p:tgtEl>
+                                          <p:spTgt spid="297"/>
+                                        </p:tgtEl>
+                                        <p:attrNameLst>
+                                          <p:attrName>style.visibility</p:attrName>
+                                        </p:attrNameLst>
+                                      </p:cBhvr>
+                                      <p:to>
+                                        <p:strVal val="visible"/>
+                                      </p:to>
+                                    </p:set>
+                                    <p:animEffect transition="in" filter="fade">
+                                      <p:cBhvr>
+                                        <p:cTn id="27" dur="500"/>
+                                        <p:tgtEl>
+                                          <p:spTgt spid="297"/>
+                                        </p:tgtEl>
+                                      </p:cBhvr>
+                                    </p:animEffect>
+                                  </p:childTnLst>
+                                </p:cTn>
+                              </p:par>
+                            </p:childTnLst>
+                          </p:cTn>
+                        </p:par>
+                        <p:par>
+                          <p:cTn id="28" fill="hold">
+                            <p:stCondLst>
+                              <p:cond delay="1500"/>
+                            </p:stCondLst>
+                            <p:childTnLst>
+                              <p:par>
+                                <p:cTn id="29" presetID="10" presetClass="entr" presetSubtype="0" fill="hold" nodeType="afterEffect">
+                                  <p:stCondLst>
+                                    <p:cond delay="0"/>
+                                  </p:stCondLst>
+                                  <p:childTnLst>
+                                    <p:set>
+                                      <p:cBhvr>
+                                        <p:cTn id="30" dur="1" fill="hold">
                                           <p:stCondLst>
                                             <p:cond delay="0"/>
                                           </p:stCondLst>
@@ -23710,9 +24733,44 @@
                                     </p:set>
                                     <p:animEffect transition="in" filter="fade">
                                       <p:cBhvr>
-                                        <p:cTn id="16" dur="1000"/>
+                                        <p:cTn id="31" dur="1000"/>
                                         <p:tgtEl>
                                           <p:spTgt spid="298"/>
+                                        </p:tgtEl>
+                                      </p:cBhvr>
+                                    </p:animEffect>
+                                  </p:childTnLst>
+                                </p:cTn>
+                              </p:par>
+                              <p:par>
+                                <p:cTn id="32" presetID="10" presetClass="entr" presetSubtype="0" fill="hold" nodeType="withEffect">
+                                  <p:stCondLst>
+                                    <p:cond delay="0"/>
+                                  </p:stCondLst>
+                                  <p:childTnLst>
+                                    <p:set>
+                                      <p:cBhvr>
+                                        <p:cTn id="33" dur="1" fill="hold">
+                                          <p:stCondLst>
+                                            <p:cond delay="0"/>
+                                          </p:stCondLst>
+                                        </p:cTn>
+                                        <p:tgtEl>
+                                          <p:spTgt spid="291"/>
+                                        </p:tgtEl>
+                                        <p:attrNameLst>
+                                          <p:attrName>style.visibility</p:attrName>
+                                        </p:attrNameLst>
+                                      </p:cBhvr>
+                                      <p:to>
+                                        <p:strVal val="visible"/>
+                                      </p:to>
+                                    </p:set>
+                                    <p:animEffect transition="in" filter="fade">
+                                      <p:cBhvr>
+                                        <p:cTn id="34" dur="500"/>
+                                        <p:tgtEl>
+                                          <p:spTgt spid="291"/>
                                         </p:tgtEl>
                                       </p:cBhvr>
                                     </p:animEffect>
@@ -23722,30 +24780,21 @@
                             </p:childTnLst>
                           </p:cTn>
                         </p:par>
-                      </p:childTnLst>
-                    </p:cTn>
-                  </p:par>
-                  <p:par>
-                    <p:cTn id="17" fill="hold">
-                      <p:stCondLst>
-                        <p:cond delay="indefinite"/>
-                      </p:stCondLst>
-                      <p:childTnLst>
                         <p:par>
-                          <p:cTn id="18" fill="hold">
+                          <p:cTn id="35" fill="hold">
                             <p:stCondLst>
-                              <p:cond delay="0"/>
+                              <p:cond delay="2500"/>
                             </p:stCondLst>
                             <p:childTnLst>
                               <p:par>
-                                <p:cTn id="19" presetID="10" presetClass="entr" presetSubtype="0" fill="hold" nodeType="clickEffect">
+                                <p:cTn id="36" presetID="10" presetClass="entr" presetSubtype="0" fill="hold" nodeType="afterEffect">
                                   <p:stCondLst>
                                     <p:cond delay="0"/>
                                   </p:stCondLst>
                                   <p:childTnLst>
                                     <p:set>
                                       <p:cBhvr>
-                                        <p:cTn id="20" dur="1" fill="hold">
+                                        <p:cTn id="37" dur="1" fill="hold">
                                           <p:stCondLst>
                                             <p:cond delay="0"/>
                                           </p:stCondLst>
@@ -23763,7 +24812,7 @@
                                     </p:set>
                                     <p:animEffect transition="in" filter="fade">
                                       <p:cBhvr>
-                                        <p:cTn id="21" dur="1000"/>
+                                        <p:cTn id="38" dur="1000"/>
                                         <p:tgtEl>
                                           <p:spTgt spid="295"/>
                                         </p:tgtEl>
@@ -23776,20 +24825,20 @@
                           </p:cTn>
                         </p:par>
                         <p:par>
-                          <p:cTn id="22" fill="hold">
+                          <p:cTn id="39" fill="hold">
                             <p:stCondLst>
-                              <p:cond delay="1000"/>
+                              <p:cond delay="3500"/>
                             </p:stCondLst>
                             <p:childTnLst>
                               <p:par>
-                                <p:cTn id="23" presetID="10" presetClass="entr" presetSubtype="0" fill="hold" nodeType="afterEffect">
+                                <p:cTn id="40" presetID="10" presetClass="entr" presetSubtype="0" fill="hold" nodeType="afterEffect">
                                   <p:stCondLst>
                                     <p:cond delay="0"/>
                                   </p:stCondLst>
                                   <p:childTnLst>
                                     <p:set>
                                       <p:cBhvr>
-                                        <p:cTn id="24" dur="1" fill="hold">
+                                        <p:cTn id="41" dur="1" fill="hold">
                                           <p:stCondLst>
                                             <p:cond delay="0"/>
                                           </p:stCondLst>
@@ -23807,7 +24856,7 @@
                                     </p:set>
                                     <p:animEffect transition="in" filter="fade">
                                       <p:cBhvr>
-                                        <p:cTn id="25" dur="1000"/>
+                                        <p:cTn id="42" dur="500"/>
                                         <p:tgtEl>
                                           <p:spTgt spid="301"/>
                                         </p:tgtEl>
@@ -23819,30 +24868,100 @@
                             </p:childTnLst>
                           </p:cTn>
                         </p:par>
-                      </p:childTnLst>
-                    </p:cTn>
-                  </p:par>
-                  <p:par>
-                    <p:cTn id="26" fill="hold">
-                      <p:stCondLst>
-                        <p:cond delay="indefinite"/>
-                      </p:stCondLst>
-                      <p:childTnLst>
                         <p:par>
-                          <p:cTn id="27" fill="hold">
+                          <p:cTn id="43" fill="hold">
                             <p:stCondLst>
-                              <p:cond delay="0"/>
+                              <p:cond delay="4000"/>
                             </p:stCondLst>
                             <p:childTnLst>
                               <p:par>
-                                <p:cTn id="28" presetID="10" presetClass="entr" presetSubtype="0" fill="hold" nodeType="clickEffect">
+                                <p:cTn id="44" presetID="10" presetClass="entr" presetSubtype="0" fill="hold" grpId="0" nodeType="afterEffect">
                                   <p:stCondLst>
                                     <p:cond delay="0"/>
                                   </p:stCondLst>
                                   <p:childTnLst>
                                     <p:set>
                                       <p:cBhvr>
-                                        <p:cTn id="29" dur="1" fill="hold">
+                                        <p:cTn id="45" dur="1" fill="hold">
+                                          <p:stCondLst>
+                                            <p:cond delay="0"/>
+                                          </p:stCondLst>
+                                        </p:cTn>
+                                        <p:tgtEl>
+                                          <p:spTgt spid="299"/>
+                                        </p:tgtEl>
+                                        <p:attrNameLst>
+                                          <p:attrName>style.visibility</p:attrName>
+                                        </p:attrNameLst>
+                                      </p:cBhvr>
+                                      <p:to>
+                                        <p:strVal val="visible"/>
+                                      </p:to>
+                                    </p:set>
+                                    <p:animEffect transition="in" filter="fade">
+                                      <p:cBhvr>
+                                        <p:cTn id="46" dur="500"/>
+                                        <p:tgtEl>
+                                          <p:spTgt spid="299"/>
+                                        </p:tgtEl>
+                                      </p:cBhvr>
+                                    </p:animEffect>
+                                  </p:childTnLst>
+                                </p:cTn>
+                              </p:par>
+                              <p:par>
+                                <p:cTn id="47" presetID="10" presetClass="entr" presetSubtype="0" fill="hold" nodeType="withEffect">
+                                  <p:stCondLst>
+                                    <p:cond delay="0"/>
+                                  </p:stCondLst>
+                                  <p:childTnLst>
+                                    <p:set>
+                                      <p:cBhvr>
+                                        <p:cTn id="48" dur="1" fill="hold">
+                                          <p:stCondLst>
+                                            <p:cond delay="0"/>
+                                          </p:stCondLst>
+                                        </p:cTn>
+                                        <p:tgtEl>
+                                          <p:spTgt spid="292"/>
+                                        </p:tgtEl>
+                                        <p:attrNameLst>
+                                          <p:attrName>style.visibility</p:attrName>
+                                        </p:attrNameLst>
+                                      </p:cBhvr>
+                                      <p:to>
+                                        <p:strVal val="visible"/>
+                                      </p:to>
+                                    </p:set>
+                                    <p:animEffect transition="in" filter="fade">
+                                      <p:cBhvr>
+                                        <p:cTn id="49" dur="500"/>
+                                        <p:tgtEl>
+                                          <p:spTgt spid="292"/>
+                                        </p:tgtEl>
+                                      </p:cBhvr>
+                                    </p:animEffect>
+                                  </p:childTnLst>
+                                </p:cTn>
+                              </p:par>
+                            </p:childTnLst>
+                          </p:cTn>
+                        </p:par>
+                        <p:par>
+                          <p:cTn id="50" fill="hold">
+                            <p:stCondLst>
+                              <p:cond delay="4500"/>
+                            </p:stCondLst>
+                            <p:childTnLst>
+                              <p:par>
+                                <p:cTn id="51" presetID="10" presetClass="entr" presetSubtype="0" fill="hold" nodeType="afterEffect">
+                                  <p:stCondLst>
+                                    <p:cond delay="0"/>
+                                  </p:stCondLst>
+                                  <p:childTnLst>
+                                    <p:set>
+                                      <p:cBhvr>
+                                        <p:cTn id="52" dur="1" fill="hold">
                                           <p:stCondLst>
                                             <p:cond delay="0"/>
                                           </p:stCondLst>
@@ -23860,7 +24979,7 @@
                                     </p:set>
                                     <p:animEffect transition="in" filter="fade">
                                       <p:cBhvr>
-                                        <p:cTn id="30" dur="1000"/>
+                                        <p:cTn id="53" dur="1000"/>
                                         <p:tgtEl>
                                           <p:spTgt spid="296"/>
                                         </p:tgtEl>
@@ -23873,26 +24992,26 @@
                           </p:cTn>
                         </p:par>
                         <p:par>
-                          <p:cTn id="31" fill="hold">
+                          <p:cTn id="54" fill="hold">
                             <p:stCondLst>
-                              <p:cond delay="1000"/>
+                              <p:cond delay="5500"/>
                             </p:stCondLst>
                             <p:childTnLst>
                               <p:par>
-                                <p:cTn id="32" presetID="10" presetClass="entr" presetSubtype="0" fill="hold" nodeType="afterEffect">
+                                <p:cTn id="55" presetID="10" presetClass="entr" presetSubtype="0" fill="hold" grpId="0" nodeType="afterEffect">
                                   <p:stCondLst>
                                     <p:cond delay="0"/>
                                   </p:stCondLst>
                                   <p:childTnLst>
                                     <p:set>
                                       <p:cBhvr>
-                                        <p:cTn id="33" dur="1" fill="hold">
+                                        <p:cTn id="56" dur="1" fill="hold">
                                           <p:stCondLst>
                                             <p:cond delay="0"/>
                                           </p:stCondLst>
                                         </p:cTn>
                                         <p:tgtEl>
-                                          <p:spTgt spid="302"/>
+                                          <p:spTgt spid="300"/>
                                         </p:tgtEl>
                                         <p:attrNameLst>
                                           <p:attrName>style.visibility</p:attrName>
@@ -23904,9 +25023,96 @@
                                     </p:set>
                                     <p:animEffect transition="in" filter="fade">
                                       <p:cBhvr>
-                                        <p:cTn id="34" dur="1000"/>
+                                        <p:cTn id="57" dur="500"/>
                                         <p:tgtEl>
-                                          <p:spTgt spid="302"/>
+                                          <p:spTgt spid="300"/>
+                                        </p:tgtEl>
+                                      </p:cBhvr>
+                                    </p:animEffect>
+                                  </p:childTnLst>
+                                </p:cTn>
+                              </p:par>
+                            </p:childTnLst>
+                          </p:cTn>
+                        </p:par>
+                        <p:par>
+                          <p:cTn id="58" fill="hold">
+                            <p:stCondLst>
+                              <p:cond delay="6000"/>
+                            </p:stCondLst>
+                            <p:childTnLst>
+                              <p:par>
+                                <p:cTn id="59" presetID="10" presetClass="entr" presetSubtype="0" fill="hold" grpId="0" nodeType="afterEffect">
+                                  <p:stCondLst>
+                                    <p:cond delay="0"/>
+                                  </p:stCondLst>
+                                  <p:childTnLst>
+                                    <p:set>
+                                      <p:cBhvr>
+                                        <p:cTn id="60" dur="1" fill="hold">
+                                          <p:stCondLst>
+                                            <p:cond delay="0"/>
+                                          </p:stCondLst>
+                                        </p:cTn>
+                                        <p:tgtEl>
+                                          <p:spTgt spid="302">
+                                            <p:txEl>
+                                              <p:pRg st="0" end="0"/>
+                                            </p:txEl>
+                                          </p:spTgt>
+                                        </p:tgtEl>
+                                        <p:attrNameLst>
+                                          <p:attrName>style.visibility</p:attrName>
+                                        </p:attrNameLst>
+                                      </p:cBhvr>
+                                      <p:to>
+                                        <p:strVal val="visible"/>
+                                      </p:to>
+                                    </p:set>
+                                    <p:animEffect transition="in" filter="fade">
+                                      <p:cBhvr>
+                                        <p:cTn id="61" dur="500"/>
+                                        <p:tgtEl>
+                                          <p:spTgt spid="302">
+                                            <p:txEl>
+                                              <p:pRg st="0" end="0"/>
+                                            </p:txEl>
+                                          </p:spTgt>
+                                        </p:tgtEl>
+                                      </p:cBhvr>
+                                    </p:animEffect>
+                                  </p:childTnLst>
+                                </p:cTn>
+                              </p:par>
+                              <p:par>
+                                <p:cTn id="62" presetID="10" presetClass="entr" presetSubtype="0" fill="hold" nodeType="withEffect">
+                                  <p:stCondLst>
+                                    <p:cond delay="0"/>
+                                  </p:stCondLst>
+                                  <p:childTnLst>
+                                    <p:set>
+                                      <p:cBhvr>
+                                        <p:cTn id="63" dur="1" fill="hold">
+                                          <p:stCondLst>
+                                            <p:cond delay="0"/>
+                                          </p:stCondLst>
+                                        </p:cTn>
+                                        <p:tgtEl>
+                                          <p:spTgt spid="293"/>
+                                        </p:tgtEl>
+                                        <p:attrNameLst>
+                                          <p:attrName>style.visibility</p:attrName>
+                                        </p:attrNameLst>
+                                      </p:cBhvr>
+                                      <p:to>
+                                        <p:strVal val="visible"/>
+                                      </p:to>
+                                    </p:set>
+                                    <p:animEffect transition="in" filter="fade">
+                                      <p:cBhvr>
+                                        <p:cTn id="64" dur="500"/>
+                                        <p:tgtEl>
+                                          <p:spTgt spid="293"/>
                                         </p:tgtEl>
                                       </p:cBhvr>
                                     </p:animEffect>
@@ -23940,6 +25146,14 @@
         </p:cTn>
       </p:par>
     </p:tnLst>
+    <p:bldLst>
+      <p:bldP spid="297" grpId="0" animBg="1"/>
+      <p:bldP spid="299" grpId="0" animBg="1"/>
+      <p:bldP spid="300" grpId="0" animBg="1"/>
+      <p:bldP spid="302" grpId="0" build="p"/>
+      <p:bldP spid="16" grpId="0"/>
+      <p:bldP spid="16" grpId="1"/>
+    </p:bldLst>
   </p:timing>
 </p:sld>
 </file>
@@ -23979,7 +25193,7 @@
         </p:nvSpPr>
         <p:spPr>
           <a:xfrm>
-            <a:off x="1135981" y="800765"/>
+            <a:off x="773672" y="610984"/>
             <a:ext cx="6886800" cy="1782300"/>
           </a:xfrm>
           <a:prstGeom prst="rect">

--- a/TurmaDK_Grupo05_relatorio.PPT.pptx
+++ b/TurmaDK_Grupo05_relatorio.PPT.pptx
@@ -16586,7 +16586,7 @@
         <p:fade/>
       </p:transition>
     </mc:Choice>
-    <mc:Fallback xmlns="" xmlns:mv="urn:schemas-microsoft-com:mac:vml" xmlns:c="http://schemas.openxmlformats.org/drawingml/2006/chart" xmlns:dgm="http://schemas.openxmlformats.org/drawingml/2006/diagram" xmlns:o="urn:schemas-microsoft-com:office:office" xmlns:v="urn:schemas-microsoft-com:vml" xmlns:pvml="urn:schemas-microsoft-com:office:powerpoint" xmlns:com="http://schemas.openxmlformats.org/drawingml/2006/compatibility" xmlns:p15="http://schemas.microsoft.com/office/powerpoint/2012/main">
+    <mc:Fallback xmlns:p15="http://schemas.microsoft.com/office/powerpoint/2012/main" xmlns:com="http://schemas.openxmlformats.org/drawingml/2006/compatibility" xmlns:pvml="urn:schemas-microsoft-com:office:powerpoint" xmlns:v="urn:schemas-microsoft-com:vml" xmlns:o="urn:schemas-microsoft-com:office:office" xmlns:dgm="http://schemas.openxmlformats.org/drawingml/2006/diagram" xmlns:c="http://schemas.openxmlformats.org/drawingml/2006/chart" xmlns:mv="urn:schemas-microsoft-com:mac:vml" xmlns="">
       <p:transition spd="slow">
         <p:fade/>
       </p:transition>
@@ -18576,7 +18576,7 @@
         </p:nvSpPr>
         <p:spPr>
           <a:xfrm>
-            <a:off x="601144" y="776062"/>
+            <a:off x="-3970411" y="-914946"/>
             <a:ext cx="6886800" cy="1782300"/>
           </a:xfrm>
           <a:prstGeom prst="rect">
@@ -18620,7 +18620,7 @@
         </p:nvCxnSpPr>
         <p:spPr>
           <a:xfrm>
-            <a:off x="7057375" y="2585138"/>
+            <a:off x="-57722" y="785804"/>
             <a:ext cx="2086500" cy="0"/>
           </a:xfrm>
           <a:prstGeom prst="straightConnector1">
@@ -18638,6 +18638,1041 @@
           </a:ln>
         </p:spPr>
       </p:cxnSp>
+      <p:cxnSp>
+        <p:nvCxnSpPr>
+          <p:cNvPr id="5" name="Google Shape;233;p31">
+            <a:extLst>
+              <a:ext uri="{FF2B5EF4-FFF2-40B4-BE49-F238E27FC236}">
+                <a16:creationId xmlns:a16="http://schemas.microsoft.com/office/drawing/2014/main" id="{63BC9B71-0C9F-4768-99A8-069350AD23F1}"/>
+              </a:ext>
+            </a:extLst>
+          </p:cNvPr>
+          <p:cNvCxnSpPr/>
+          <p:nvPr/>
+        </p:nvCxnSpPr>
+        <p:spPr>
+          <a:xfrm>
+            <a:off x="1840249" y="1778631"/>
+            <a:ext cx="0" cy="1467600"/>
+          </a:xfrm>
+          <a:prstGeom prst="straightConnector1">
+            <a:avLst/>
+          </a:prstGeom>
+          <a:noFill/>
+          <a:ln w="9525" cap="flat" cmpd="sng">
+            <a:solidFill>
+              <a:schemeClr val="dk2"/>
+            </a:solidFill>
+            <a:prstDash val="solid"/>
+            <a:round/>
+            <a:headEnd type="none" w="med" len="med"/>
+            <a:tailEnd type="none" w="med" len="med"/>
+          </a:ln>
+        </p:spPr>
+      </p:cxnSp>
+      <p:cxnSp>
+        <p:nvCxnSpPr>
+          <p:cNvPr id="6" name="Google Shape;233;p31">
+            <a:extLst>
+              <a:ext uri="{FF2B5EF4-FFF2-40B4-BE49-F238E27FC236}">
+                <a16:creationId xmlns:a16="http://schemas.microsoft.com/office/drawing/2014/main" id="{CE52DA1C-D121-4D16-9BB0-5EA18F0E4F04}"/>
+              </a:ext>
+            </a:extLst>
+          </p:cNvPr>
+          <p:cNvCxnSpPr/>
+          <p:nvPr/>
+        </p:nvCxnSpPr>
+        <p:spPr>
+          <a:xfrm>
+            <a:off x="3669050" y="2110152"/>
+            <a:ext cx="0" cy="1467600"/>
+          </a:xfrm>
+          <a:prstGeom prst="straightConnector1">
+            <a:avLst/>
+          </a:prstGeom>
+          <a:noFill/>
+          <a:ln w="9525" cap="flat" cmpd="sng">
+            <a:solidFill>
+              <a:schemeClr val="dk2"/>
+            </a:solidFill>
+            <a:prstDash val="solid"/>
+            <a:round/>
+            <a:headEnd type="none" w="med" len="med"/>
+            <a:tailEnd type="none" w="med" len="med"/>
+          </a:ln>
+        </p:spPr>
+      </p:cxnSp>
+      <p:sp>
+        <p:nvSpPr>
+          <p:cNvPr id="7" name="Google Shape;230;p31">
+            <a:extLst>
+              <a:ext uri="{FF2B5EF4-FFF2-40B4-BE49-F238E27FC236}">
+                <a16:creationId xmlns:a16="http://schemas.microsoft.com/office/drawing/2014/main" id="{1B2AAF1D-61D8-4C73-A8DF-9B21CF1C0D9D}"/>
+              </a:ext>
+            </a:extLst>
+          </p:cNvPr>
+          <p:cNvSpPr txBox="1">
+            <a:spLocks noGrp="1"/>
+          </p:cNvSpPr>
+          <p:nvPr>
+            <p:ph type="ctrTitle" idx="2"/>
+          </p:nvPr>
+        </p:nvSpPr>
+        <p:spPr>
+          <a:xfrm>
+            <a:off x="-227828" y="1877934"/>
+            <a:ext cx="2186100" cy="893700"/>
+          </a:xfrm>
+          <a:prstGeom prst="rect">
+            <a:avLst/>
+          </a:prstGeom>
+        </p:spPr>
+        <p:txBody>
+          <a:bodyPr spcFirstLastPara="1" wrap="square" lIns="91425" tIns="91425" rIns="91425" bIns="91425" anchor="b" anchorCtr="0">
+            <a:noAutofit/>
+          </a:bodyPr>
+          <a:lstStyle/>
+          <a:p>
+            <a:pPr marL="0" lvl="0" indent="0" algn="ctr" rtl="0">
+              <a:spcBef>
+                <a:spcPts val="0"/>
+              </a:spcBef>
+              <a:spcAft>
+                <a:spcPts val="0"/>
+              </a:spcAft>
+              <a:buNone/>
+            </a:pPr>
+            <a:r>
+              <a:rPr lang="en" dirty="0"/>
+              <a:t>Estudar e analisar Séries Temporais</a:t>
+            </a:r>
+            <a:endParaRPr dirty="0"/>
+          </a:p>
+        </p:txBody>
+      </p:sp>
+      <p:sp>
+        <p:nvSpPr>
+          <p:cNvPr id="8" name="Google Shape;230;p31">
+            <a:extLst>
+              <a:ext uri="{FF2B5EF4-FFF2-40B4-BE49-F238E27FC236}">
+                <a16:creationId xmlns:a16="http://schemas.microsoft.com/office/drawing/2014/main" id="{28E4BF0A-0CC7-41B6-8907-CD38EB9BC409}"/>
+              </a:ext>
+            </a:extLst>
+          </p:cNvPr>
+          <p:cNvSpPr txBox="1">
+            <a:spLocks/>
+          </p:cNvSpPr>
+          <p:nvPr/>
+        </p:nvSpPr>
+        <p:spPr>
+          <a:xfrm>
+            <a:off x="1689458" y="2305954"/>
+            <a:ext cx="2186100" cy="893700"/>
+          </a:xfrm>
+          <a:prstGeom prst="rect">
+            <a:avLst/>
+          </a:prstGeom>
+          <a:noFill/>
+          <a:ln>
+            <a:noFill/>
+          </a:ln>
+        </p:spPr>
+        <p:txBody>
+          <a:bodyPr spcFirstLastPara="1" wrap="square" lIns="91425" tIns="91425" rIns="91425" bIns="91425" anchor="b" anchorCtr="0">
+            <a:noAutofit/>
+          </a:bodyPr>
+          <a:lstStyle>
+            <a:defPPr marR="0" lvl="0" algn="l" rtl="0">
+              <a:lnSpc>
+                <a:spcPct val="100000"/>
+              </a:lnSpc>
+              <a:spcBef>
+                <a:spcPts val="0"/>
+              </a:spcBef>
+              <a:spcAft>
+                <a:spcPts val="0"/>
+              </a:spcAft>
+            </a:defPPr>
+            <a:lvl1pPr marR="0" lvl="0" algn="r" rtl="0">
+              <a:lnSpc>
+                <a:spcPct val="100000"/>
+              </a:lnSpc>
+              <a:spcBef>
+                <a:spcPts val="0"/>
+              </a:spcBef>
+              <a:spcAft>
+                <a:spcPts val="0"/>
+              </a:spcAft>
+              <a:buClr>
+                <a:schemeClr val="dk1"/>
+              </a:buClr>
+              <a:buSzPts val="1400"/>
+              <a:buFont typeface="Exo 2"/>
+              <a:buNone/>
+              <a:defRPr sz="1400" b="1" i="0" u="none" strike="noStrike" cap="none">
+                <a:solidFill>
+                  <a:schemeClr val="dk1"/>
+                </a:solidFill>
+                <a:latin typeface="Exo 2"/>
+                <a:ea typeface="Exo 2"/>
+                <a:cs typeface="Exo 2"/>
+                <a:sym typeface="Exo 2"/>
+              </a:defRPr>
+            </a:lvl1pPr>
+            <a:lvl2pPr marR="0" lvl="1" algn="r" rtl="0">
+              <a:lnSpc>
+                <a:spcPct val="100000"/>
+              </a:lnSpc>
+              <a:spcBef>
+                <a:spcPts val="0"/>
+              </a:spcBef>
+              <a:spcAft>
+                <a:spcPts val="0"/>
+              </a:spcAft>
+              <a:buClr>
+                <a:schemeClr val="dk1"/>
+              </a:buClr>
+              <a:buSzPts val="1400"/>
+              <a:buFont typeface="Squada One"/>
+              <a:buNone/>
+              <a:defRPr sz="1400" b="0" i="0" u="none" strike="noStrike" cap="none">
+                <a:solidFill>
+                  <a:schemeClr val="dk1"/>
+                </a:solidFill>
+                <a:latin typeface="Squada One"/>
+                <a:ea typeface="Squada One"/>
+                <a:cs typeface="Squada One"/>
+                <a:sym typeface="Squada One"/>
+              </a:defRPr>
+            </a:lvl2pPr>
+            <a:lvl3pPr marR="0" lvl="2" algn="r" rtl="0">
+              <a:lnSpc>
+                <a:spcPct val="100000"/>
+              </a:lnSpc>
+              <a:spcBef>
+                <a:spcPts val="0"/>
+              </a:spcBef>
+              <a:spcAft>
+                <a:spcPts val="0"/>
+              </a:spcAft>
+              <a:buClr>
+                <a:schemeClr val="dk1"/>
+              </a:buClr>
+              <a:buSzPts val="1400"/>
+              <a:buFont typeface="Squada One"/>
+              <a:buNone/>
+              <a:defRPr sz="1400" b="0" i="0" u="none" strike="noStrike" cap="none">
+                <a:solidFill>
+                  <a:schemeClr val="dk1"/>
+                </a:solidFill>
+                <a:latin typeface="Squada One"/>
+                <a:ea typeface="Squada One"/>
+                <a:cs typeface="Squada One"/>
+                <a:sym typeface="Squada One"/>
+              </a:defRPr>
+            </a:lvl3pPr>
+            <a:lvl4pPr marR="0" lvl="3" algn="r" rtl="0">
+              <a:lnSpc>
+                <a:spcPct val="100000"/>
+              </a:lnSpc>
+              <a:spcBef>
+                <a:spcPts val="0"/>
+              </a:spcBef>
+              <a:spcAft>
+                <a:spcPts val="0"/>
+              </a:spcAft>
+              <a:buClr>
+                <a:schemeClr val="dk1"/>
+              </a:buClr>
+              <a:buSzPts val="1400"/>
+              <a:buFont typeface="Squada One"/>
+              <a:buNone/>
+              <a:defRPr sz="1400" b="0" i="0" u="none" strike="noStrike" cap="none">
+                <a:solidFill>
+                  <a:schemeClr val="dk1"/>
+                </a:solidFill>
+                <a:latin typeface="Squada One"/>
+                <a:ea typeface="Squada One"/>
+                <a:cs typeface="Squada One"/>
+                <a:sym typeface="Squada One"/>
+              </a:defRPr>
+            </a:lvl4pPr>
+            <a:lvl5pPr marR="0" lvl="4" algn="r" rtl="0">
+              <a:lnSpc>
+                <a:spcPct val="100000"/>
+              </a:lnSpc>
+              <a:spcBef>
+                <a:spcPts val="0"/>
+              </a:spcBef>
+              <a:spcAft>
+                <a:spcPts val="0"/>
+              </a:spcAft>
+              <a:buClr>
+                <a:schemeClr val="dk1"/>
+              </a:buClr>
+              <a:buSzPts val="1400"/>
+              <a:buFont typeface="Squada One"/>
+              <a:buNone/>
+              <a:defRPr sz="1400" b="0" i="0" u="none" strike="noStrike" cap="none">
+                <a:solidFill>
+                  <a:schemeClr val="dk1"/>
+                </a:solidFill>
+                <a:latin typeface="Squada One"/>
+                <a:ea typeface="Squada One"/>
+                <a:cs typeface="Squada One"/>
+                <a:sym typeface="Squada One"/>
+              </a:defRPr>
+            </a:lvl5pPr>
+            <a:lvl6pPr marR="0" lvl="5" algn="r" rtl="0">
+              <a:lnSpc>
+                <a:spcPct val="100000"/>
+              </a:lnSpc>
+              <a:spcBef>
+                <a:spcPts val="0"/>
+              </a:spcBef>
+              <a:spcAft>
+                <a:spcPts val="0"/>
+              </a:spcAft>
+              <a:buClr>
+                <a:schemeClr val="dk1"/>
+              </a:buClr>
+              <a:buSzPts val="1400"/>
+              <a:buFont typeface="Squada One"/>
+              <a:buNone/>
+              <a:defRPr sz="1400" b="0" i="0" u="none" strike="noStrike" cap="none">
+                <a:solidFill>
+                  <a:schemeClr val="dk1"/>
+                </a:solidFill>
+                <a:latin typeface="Squada One"/>
+                <a:ea typeface="Squada One"/>
+                <a:cs typeface="Squada One"/>
+                <a:sym typeface="Squada One"/>
+              </a:defRPr>
+            </a:lvl6pPr>
+            <a:lvl7pPr marR="0" lvl="6" algn="r" rtl="0">
+              <a:lnSpc>
+                <a:spcPct val="100000"/>
+              </a:lnSpc>
+              <a:spcBef>
+                <a:spcPts val="0"/>
+              </a:spcBef>
+              <a:spcAft>
+                <a:spcPts val="0"/>
+              </a:spcAft>
+              <a:buClr>
+                <a:schemeClr val="dk1"/>
+              </a:buClr>
+              <a:buSzPts val="1400"/>
+              <a:buFont typeface="Squada One"/>
+              <a:buNone/>
+              <a:defRPr sz="1400" b="0" i="0" u="none" strike="noStrike" cap="none">
+                <a:solidFill>
+                  <a:schemeClr val="dk1"/>
+                </a:solidFill>
+                <a:latin typeface="Squada One"/>
+                <a:ea typeface="Squada One"/>
+                <a:cs typeface="Squada One"/>
+                <a:sym typeface="Squada One"/>
+              </a:defRPr>
+            </a:lvl7pPr>
+            <a:lvl8pPr marR="0" lvl="7" algn="r" rtl="0">
+              <a:lnSpc>
+                <a:spcPct val="100000"/>
+              </a:lnSpc>
+              <a:spcBef>
+                <a:spcPts val="0"/>
+              </a:spcBef>
+              <a:spcAft>
+                <a:spcPts val="0"/>
+              </a:spcAft>
+              <a:buClr>
+                <a:schemeClr val="dk1"/>
+              </a:buClr>
+              <a:buSzPts val="1400"/>
+              <a:buFont typeface="Squada One"/>
+              <a:buNone/>
+              <a:defRPr sz="1400" b="0" i="0" u="none" strike="noStrike" cap="none">
+                <a:solidFill>
+                  <a:schemeClr val="dk1"/>
+                </a:solidFill>
+                <a:latin typeface="Squada One"/>
+                <a:ea typeface="Squada One"/>
+                <a:cs typeface="Squada One"/>
+                <a:sym typeface="Squada One"/>
+              </a:defRPr>
+            </a:lvl8pPr>
+            <a:lvl9pPr marR="0" lvl="8" algn="r" rtl="0">
+              <a:lnSpc>
+                <a:spcPct val="100000"/>
+              </a:lnSpc>
+              <a:spcBef>
+                <a:spcPts val="0"/>
+              </a:spcBef>
+              <a:spcAft>
+                <a:spcPts val="0"/>
+              </a:spcAft>
+              <a:buClr>
+                <a:schemeClr val="dk1"/>
+              </a:buClr>
+              <a:buSzPts val="1400"/>
+              <a:buFont typeface="Squada One"/>
+              <a:buNone/>
+              <a:defRPr sz="1400" b="0" i="0" u="none" strike="noStrike" cap="none">
+                <a:solidFill>
+                  <a:schemeClr val="dk1"/>
+                </a:solidFill>
+                <a:latin typeface="Squada One"/>
+                <a:ea typeface="Squada One"/>
+                <a:cs typeface="Squada One"/>
+                <a:sym typeface="Squada One"/>
+              </a:defRPr>
+            </a:lvl9pPr>
+          </a:lstStyle>
+          <a:p>
+            <a:pPr algn="ctr"/>
+            <a:r>
+              <a:rPr lang="pt-PT" dirty="0"/>
+              <a:t>Efetuar filtragens e previsões</a:t>
+            </a:r>
+          </a:p>
+        </p:txBody>
+      </p:sp>
+      <p:sp>
+        <p:nvSpPr>
+          <p:cNvPr id="9" name="Google Shape;230;p31">
+            <a:extLst>
+              <a:ext uri="{FF2B5EF4-FFF2-40B4-BE49-F238E27FC236}">
+                <a16:creationId xmlns:a16="http://schemas.microsoft.com/office/drawing/2014/main" id="{83128B35-C721-42DE-B6A7-3BD89D22DB3C}"/>
+              </a:ext>
+            </a:extLst>
+          </p:cNvPr>
+          <p:cNvSpPr txBox="1">
+            <a:spLocks/>
+          </p:cNvSpPr>
+          <p:nvPr/>
+        </p:nvSpPr>
+        <p:spPr>
+          <a:xfrm>
+            <a:off x="3636252" y="2889733"/>
+            <a:ext cx="2186100" cy="893700"/>
+          </a:xfrm>
+          <a:prstGeom prst="rect">
+            <a:avLst/>
+          </a:prstGeom>
+          <a:noFill/>
+          <a:ln>
+            <a:noFill/>
+          </a:ln>
+        </p:spPr>
+        <p:txBody>
+          <a:bodyPr spcFirstLastPara="1" wrap="square" lIns="91425" tIns="91425" rIns="91425" bIns="91425" anchor="b" anchorCtr="0">
+            <a:noAutofit/>
+          </a:bodyPr>
+          <a:lstStyle>
+            <a:defPPr marR="0" lvl="0" algn="l" rtl="0">
+              <a:lnSpc>
+                <a:spcPct val="100000"/>
+              </a:lnSpc>
+              <a:spcBef>
+                <a:spcPts val="0"/>
+              </a:spcBef>
+              <a:spcAft>
+                <a:spcPts val="0"/>
+              </a:spcAft>
+            </a:defPPr>
+            <a:lvl1pPr marR="0" lvl="0" algn="r" rtl="0">
+              <a:lnSpc>
+                <a:spcPct val="100000"/>
+              </a:lnSpc>
+              <a:spcBef>
+                <a:spcPts val="0"/>
+              </a:spcBef>
+              <a:spcAft>
+                <a:spcPts val="0"/>
+              </a:spcAft>
+              <a:buClr>
+                <a:schemeClr val="dk1"/>
+              </a:buClr>
+              <a:buSzPts val="1400"/>
+              <a:buFont typeface="Exo 2"/>
+              <a:buNone/>
+              <a:defRPr sz="1400" b="1" i="0" u="none" strike="noStrike" cap="none">
+                <a:solidFill>
+                  <a:schemeClr val="dk1"/>
+                </a:solidFill>
+                <a:latin typeface="Exo 2"/>
+                <a:ea typeface="Exo 2"/>
+                <a:cs typeface="Exo 2"/>
+                <a:sym typeface="Exo 2"/>
+              </a:defRPr>
+            </a:lvl1pPr>
+            <a:lvl2pPr marR="0" lvl="1" algn="r" rtl="0">
+              <a:lnSpc>
+                <a:spcPct val="100000"/>
+              </a:lnSpc>
+              <a:spcBef>
+                <a:spcPts val="0"/>
+              </a:spcBef>
+              <a:spcAft>
+                <a:spcPts val="0"/>
+              </a:spcAft>
+              <a:buClr>
+                <a:schemeClr val="dk1"/>
+              </a:buClr>
+              <a:buSzPts val="1400"/>
+              <a:buFont typeface="Squada One"/>
+              <a:buNone/>
+              <a:defRPr sz="1400" b="0" i="0" u="none" strike="noStrike" cap="none">
+                <a:solidFill>
+                  <a:schemeClr val="dk1"/>
+                </a:solidFill>
+                <a:latin typeface="Squada One"/>
+                <a:ea typeface="Squada One"/>
+                <a:cs typeface="Squada One"/>
+                <a:sym typeface="Squada One"/>
+              </a:defRPr>
+            </a:lvl2pPr>
+            <a:lvl3pPr marR="0" lvl="2" algn="r" rtl="0">
+              <a:lnSpc>
+                <a:spcPct val="100000"/>
+              </a:lnSpc>
+              <a:spcBef>
+                <a:spcPts val="0"/>
+              </a:spcBef>
+              <a:spcAft>
+                <a:spcPts val="0"/>
+              </a:spcAft>
+              <a:buClr>
+                <a:schemeClr val="dk1"/>
+              </a:buClr>
+              <a:buSzPts val="1400"/>
+              <a:buFont typeface="Squada One"/>
+              <a:buNone/>
+              <a:defRPr sz="1400" b="0" i="0" u="none" strike="noStrike" cap="none">
+                <a:solidFill>
+                  <a:schemeClr val="dk1"/>
+                </a:solidFill>
+                <a:latin typeface="Squada One"/>
+                <a:ea typeface="Squada One"/>
+                <a:cs typeface="Squada One"/>
+                <a:sym typeface="Squada One"/>
+              </a:defRPr>
+            </a:lvl3pPr>
+            <a:lvl4pPr marR="0" lvl="3" algn="r" rtl="0">
+              <a:lnSpc>
+                <a:spcPct val="100000"/>
+              </a:lnSpc>
+              <a:spcBef>
+                <a:spcPts val="0"/>
+              </a:spcBef>
+              <a:spcAft>
+                <a:spcPts val="0"/>
+              </a:spcAft>
+              <a:buClr>
+                <a:schemeClr val="dk1"/>
+              </a:buClr>
+              <a:buSzPts val="1400"/>
+              <a:buFont typeface="Squada One"/>
+              <a:buNone/>
+              <a:defRPr sz="1400" b="0" i="0" u="none" strike="noStrike" cap="none">
+                <a:solidFill>
+                  <a:schemeClr val="dk1"/>
+                </a:solidFill>
+                <a:latin typeface="Squada One"/>
+                <a:ea typeface="Squada One"/>
+                <a:cs typeface="Squada One"/>
+                <a:sym typeface="Squada One"/>
+              </a:defRPr>
+            </a:lvl4pPr>
+            <a:lvl5pPr marR="0" lvl="4" algn="r" rtl="0">
+              <a:lnSpc>
+                <a:spcPct val="100000"/>
+              </a:lnSpc>
+              <a:spcBef>
+                <a:spcPts val="0"/>
+              </a:spcBef>
+              <a:spcAft>
+                <a:spcPts val="0"/>
+              </a:spcAft>
+              <a:buClr>
+                <a:schemeClr val="dk1"/>
+              </a:buClr>
+              <a:buSzPts val="1400"/>
+              <a:buFont typeface="Squada One"/>
+              <a:buNone/>
+              <a:defRPr sz="1400" b="0" i="0" u="none" strike="noStrike" cap="none">
+                <a:solidFill>
+                  <a:schemeClr val="dk1"/>
+                </a:solidFill>
+                <a:latin typeface="Squada One"/>
+                <a:ea typeface="Squada One"/>
+                <a:cs typeface="Squada One"/>
+                <a:sym typeface="Squada One"/>
+              </a:defRPr>
+            </a:lvl5pPr>
+            <a:lvl6pPr marR="0" lvl="5" algn="r" rtl="0">
+              <a:lnSpc>
+                <a:spcPct val="100000"/>
+              </a:lnSpc>
+              <a:spcBef>
+                <a:spcPts val="0"/>
+              </a:spcBef>
+              <a:spcAft>
+                <a:spcPts val="0"/>
+              </a:spcAft>
+              <a:buClr>
+                <a:schemeClr val="dk1"/>
+              </a:buClr>
+              <a:buSzPts val="1400"/>
+              <a:buFont typeface="Squada One"/>
+              <a:buNone/>
+              <a:defRPr sz="1400" b="0" i="0" u="none" strike="noStrike" cap="none">
+                <a:solidFill>
+                  <a:schemeClr val="dk1"/>
+                </a:solidFill>
+                <a:latin typeface="Squada One"/>
+                <a:ea typeface="Squada One"/>
+                <a:cs typeface="Squada One"/>
+                <a:sym typeface="Squada One"/>
+              </a:defRPr>
+            </a:lvl6pPr>
+            <a:lvl7pPr marR="0" lvl="6" algn="r" rtl="0">
+              <a:lnSpc>
+                <a:spcPct val="100000"/>
+              </a:lnSpc>
+              <a:spcBef>
+                <a:spcPts val="0"/>
+              </a:spcBef>
+              <a:spcAft>
+                <a:spcPts val="0"/>
+              </a:spcAft>
+              <a:buClr>
+                <a:schemeClr val="dk1"/>
+              </a:buClr>
+              <a:buSzPts val="1400"/>
+              <a:buFont typeface="Squada One"/>
+              <a:buNone/>
+              <a:defRPr sz="1400" b="0" i="0" u="none" strike="noStrike" cap="none">
+                <a:solidFill>
+                  <a:schemeClr val="dk1"/>
+                </a:solidFill>
+                <a:latin typeface="Squada One"/>
+                <a:ea typeface="Squada One"/>
+                <a:cs typeface="Squada One"/>
+                <a:sym typeface="Squada One"/>
+              </a:defRPr>
+            </a:lvl7pPr>
+            <a:lvl8pPr marR="0" lvl="7" algn="r" rtl="0">
+              <a:lnSpc>
+                <a:spcPct val="100000"/>
+              </a:lnSpc>
+              <a:spcBef>
+                <a:spcPts val="0"/>
+              </a:spcBef>
+              <a:spcAft>
+                <a:spcPts val="0"/>
+              </a:spcAft>
+              <a:buClr>
+                <a:schemeClr val="dk1"/>
+              </a:buClr>
+              <a:buSzPts val="1400"/>
+              <a:buFont typeface="Squada One"/>
+              <a:buNone/>
+              <a:defRPr sz="1400" b="0" i="0" u="none" strike="noStrike" cap="none">
+                <a:solidFill>
+                  <a:schemeClr val="dk1"/>
+                </a:solidFill>
+                <a:latin typeface="Squada One"/>
+                <a:ea typeface="Squada One"/>
+                <a:cs typeface="Squada One"/>
+                <a:sym typeface="Squada One"/>
+              </a:defRPr>
+            </a:lvl8pPr>
+            <a:lvl9pPr marR="0" lvl="8" algn="r" rtl="0">
+              <a:lnSpc>
+                <a:spcPct val="100000"/>
+              </a:lnSpc>
+              <a:spcBef>
+                <a:spcPts val="0"/>
+              </a:spcBef>
+              <a:spcAft>
+                <a:spcPts val="0"/>
+              </a:spcAft>
+              <a:buClr>
+                <a:schemeClr val="dk1"/>
+              </a:buClr>
+              <a:buSzPts val="1400"/>
+              <a:buFont typeface="Squada One"/>
+              <a:buNone/>
+              <a:defRPr sz="1400" b="0" i="0" u="none" strike="noStrike" cap="none">
+                <a:solidFill>
+                  <a:schemeClr val="dk1"/>
+                </a:solidFill>
+                <a:latin typeface="Squada One"/>
+                <a:ea typeface="Squada One"/>
+                <a:cs typeface="Squada One"/>
+                <a:sym typeface="Squada One"/>
+              </a:defRPr>
+            </a:lvl9pPr>
+          </a:lstStyle>
+          <a:p>
+            <a:pPr algn="ctr"/>
+            <a:r>
+              <a:rPr lang="pt-PT" dirty="0"/>
+              <a:t>Elaborar gráficos a partir dos dados tratados</a:t>
+            </a:r>
+          </a:p>
+        </p:txBody>
+      </p:sp>
+      <p:sp>
+        <p:nvSpPr>
+          <p:cNvPr id="2" name="Seta: Divisa 1">
+            <a:extLst>
+              <a:ext uri="{FF2B5EF4-FFF2-40B4-BE49-F238E27FC236}">
+                <a16:creationId xmlns:a16="http://schemas.microsoft.com/office/drawing/2014/main" id="{15297E23-75B7-4C3A-A70E-496A92F41830}"/>
+              </a:ext>
+            </a:extLst>
+          </p:cNvPr>
+          <p:cNvSpPr/>
+          <p:nvPr/>
+        </p:nvSpPr>
+        <p:spPr>
+          <a:xfrm>
+            <a:off x="6009968" y="2305954"/>
+            <a:ext cx="797785" cy="940277"/>
+          </a:xfrm>
+          <a:prstGeom prst="chevron">
+            <a:avLst/>
+          </a:prstGeom>
+          <a:solidFill>
+            <a:schemeClr val="tx2">
+              <a:lumMod val="50000"/>
+            </a:schemeClr>
+          </a:solidFill>
+          <a:ln>
+            <a:solidFill>
+              <a:schemeClr val="tx2">
+                <a:lumMod val="50000"/>
+              </a:schemeClr>
+            </a:solidFill>
+          </a:ln>
+        </p:spPr>
+        <p:style>
+          <a:lnRef idx="2">
+            <a:schemeClr val="accent1">
+              <a:shade val="50000"/>
+            </a:schemeClr>
+          </a:lnRef>
+          <a:fillRef idx="1">
+            <a:schemeClr val="accent1"/>
+          </a:fillRef>
+          <a:effectRef idx="0">
+            <a:schemeClr val="accent1"/>
+          </a:effectRef>
+          <a:fontRef idx="minor">
+            <a:schemeClr val="lt1"/>
+          </a:fontRef>
+        </p:style>
+        <p:txBody>
+          <a:bodyPr rtlCol="0" anchor="ctr"/>
+          <a:lstStyle/>
+          <a:p>
+            <a:pPr algn="ctr"/>
+            <a:endParaRPr lang="pt-PT">
+              <a:solidFill>
+                <a:schemeClr val="tx1"/>
+              </a:solidFill>
+            </a:endParaRPr>
+          </a:p>
+        </p:txBody>
+      </p:sp>
+      <p:sp>
+        <p:nvSpPr>
+          <p:cNvPr id="11" name="Google Shape;230;p31">
+            <a:extLst>
+              <a:ext uri="{FF2B5EF4-FFF2-40B4-BE49-F238E27FC236}">
+                <a16:creationId xmlns:a16="http://schemas.microsoft.com/office/drawing/2014/main" id="{CC02BA0A-89A6-4786-9FD7-199483673B44}"/>
+              </a:ext>
+            </a:extLst>
+          </p:cNvPr>
+          <p:cNvSpPr txBox="1">
+            <a:spLocks/>
+          </p:cNvSpPr>
+          <p:nvPr/>
+        </p:nvSpPr>
+        <p:spPr>
+          <a:xfrm>
+            <a:off x="6733414" y="2336668"/>
+            <a:ext cx="2186100" cy="893700"/>
+          </a:xfrm>
+          <a:prstGeom prst="rect">
+            <a:avLst/>
+          </a:prstGeom>
+          <a:noFill/>
+          <a:ln>
+            <a:noFill/>
+          </a:ln>
+        </p:spPr>
+        <p:txBody>
+          <a:bodyPr spcFirstLastPara="1" wrap="square" lIns="91425" tIns="91425" rIns="91425" bIns="91425" anchor="b" anchorCtr="0">
+            <a:noAutofit/>
+          </a:bodyPr>
+          <a:lstStyle>
+            <a:defPPr marR="0" lvl="0" algn="l" rtl="0">
+              <a:lnSpc>
+                <a:spcPct val="100000"/>
+              </a:lnSpc>
+              <a:spcBef>
+                <a:spcPts val="0"/>
+              </a:spcBef>
+              <a:spcAft>
+                <a:spcPts val="0"/>
+              </a:spcAft>
+            </a:defPPr>
+            <a:lvl1pPr marR="0" lvl="0" algn="r" rtl="0">
+              <a:lnSpc>
+                <a:spcPct val="100000"/>
+              </a:lnSpc>
+              <a:spcBef>
+                <a:spcPts val="0"/>
+              </a:spcBef>
+              <a:spcAft>
+                <a:spcPts val="0"/>
+              </a:spcAft>
+              <a:buClr>
+                <a:schemeClr val="dk1"/>
+              </a:buClr>
+              <a:buSzPts val="1400"/>
+              <a:buFont typeface="Exo 2"/>
+              <a:buNone/>
+              <a:defRPr sz="1400" b="1" i="0" u="none" strike="noStrike" cap="none">
+                <a:solidFill>
+                  <a:schemeClr val="dk1"/>
+                </a:solidFill>
+                <a:latin typeface="Exo 2"/>
+                <a:ea typeface="Exo 2"/>
+                <a:cs typeface="Exo 2"/>
+                <a:sym typeface="Exo 2"/>
+              </a:defRPr>
+            </a:lvl1pPr>
+            <a:lvl2pPr marR="0" lvl="1" algn="r" rtl="0">
+              <a:lnSpc>
+                <a:spcPct val="100000"/>
+              </a:lnSpc>
+              <a:spcBef>
+                <a:spcPts val="0"/>
+              </a:spcBef>
+              <a:spcAft>
+                <a:spcPts val="0"/>
+              </a:spcAft>
+              <a:buClr>
+                <a:schemeClr val="dk1"/>
+              </a:buClr>
+              <a:buSzPts val="1400"/>
+              <a:buFont typeface="Squada One"/>
+              <a:buNone/>
+              <a:defRPr sz="1400" b="0" i="0" u="none" strike="noStrike" cap="none">
+                <a:solidFill>
+                  <a:schemeClr val="dk1"/>
+                </a:solidFill>
+                <a:latin typeface="Squada One"/>
+                <a:ea typeface="Squada One"/>
+                <a:cs typeface="Squada One"/>
+                <a:sym typeface="Squada One"/>
+              </a:defRPr>
+            </a:lvl2pPr>
+            <a:lvl3pPr marR="0" lvl="2" algn="r" rtl="0">
+              <a:lnSpc>
+                <a:spcPct val="100000"/>
+              </a:lnSpc>
+              <a:spcBef>
+                <a:spcPts val="0"/>
+              </a:spcBef>
+              <a:spcAft>
+                <a:spcPts val="0"/>
+              </a:spcAft>
+              <a:buClr>
+                <a:schemeClr val="dk1"/>
+              </a:buClr>
+              <a:buSzPts val="1400"/>
+              <a:buFont typeface="Squada One"/>
+              <a:buNone/>
+              <a:defRPr sz="1400" b="0" i="0" u="none" strike="noStrike" cap="none">
+                <a:solidFill>
+                  <a:schemeClr val="dk1"/>
+                </a:solidFill>
+                <a:latin typeface="Squada One"/>
+                <a:ea typeface="Squada One"/>
+                <a:cs typeface="Squada One"/>
+                <a:sym typeface="Squada One"/>
+              </a:defRPr>
+            </a:lvl3pPr>
+            <a:lvl4pPr marR="0" lvl="3" algn="r" rtl="0">
+              <a:lnSpc>
+                <a:spcPct val="100000"/>
+              </a:lnSpc>
+              <a:spcBef>
+                <a:spcPts val="0"/>
+              </a:spcBef>
+              <a:spcAft>
+                <a:spcPts val="0"/>
+              </a:spcAft>
+              <a:buClr>
+                <a:schemeClr val="dk1"/>
+              </a:buClr>
+              <a:buSzPts val="1400"/>
+              <a:buFont typeface="Squada One"/>
+              <a:buNone/>
+              <a:defRPr sz="1400" b="0" i="0" u="none" strike="noStrike" cap="none">
+                <a:solidFill>
+                  <a:schemeClr val="dk1"/>
+                </a:solidFill>
+                <a:latin typeface="Squada One"/>
+                <a:ea typeface="Squada One"/>
+                <a:cs typeface="Squada One"/>
+                <a:sym typeface="Squada One"/>
+              </a:defRPr>
+            </a:lvl4pPr>
+            <a:lvl5pPr marR="0" lvl="4" algn="r" rtl="0">
+              <a:lnSpc>
+                <a:spcPct val="100000"/>
+              </a:lnSpc>
+              <a:spcBef>
+                <a:spcPts val="0"/>
+              </a:spcBef>
+              <a:spcAft>
+                <a:spcPts val="0"/>
+              </a:spcAft>
+              <a:buClr>
+                <a:schemeClr val="dk1"/>
+              </a:buClr>
+              <a:buSzPts val="1400"/>
+              <a:buFont typeface="Squada One"/>
+              <a:buNone/>
+              <a:defRPr sz="1400" b="0" i="0" u="none" strike="noStrike" cap="none">
+                <a:solidFill>
+                  <a:schemeClr val="dk1"/>
+                </a:solidFill>
+                <a:latin typeface="Squada One"/>
+                <a:ea typeface="Squada One"/>
+                <a:cs typeface="Squada One"/>
+                <a:sym typeface="Squada One"/>
+              </a:defRPr>
+            </a:lvl5pPr>
+            <a:lvl6pPr marR="0" lvl="5" algn="r" rtl="0">
+              <a:lnSpc>
+                <a:spcPct val="100000"/>
+              </a:lnSpc>
+              <a:spcBef>
+                <a:spcPts val="0"/>
+              </a:spcBef>
+              <a:spcAft>
+                <a:spcPts val="0"/>
+              </a:spcAft>
+              <a:buClr>
+                <a:schemeClr val="dk1"/>
+              </a:buClr>
+              <a:buSzPts val="1400"/>
+              <a:buFont typeface="Squada One"/>
+              <a:buNone/>
+              <a:defRPr sz="1400" b="0" i="0" u="none" strike="noStrike" cap="none">
+                <a:solidFill>
+                  <a:schemeClr val="dk1"/>
+                </a:solidFill>
+                <a:latin typeface="Squada One"/>
+                <a:ea typeface="Squada One"/>
+                <a:cs typeface="Squada One"/>
+                <a:sym typeface="Squada One"/>
+              </a:defRPr>
+            </a:lvl6pPr>
+            <a:lvl7pPr marR="0" lvl="6" algn="r" rtl="0">
+              <a:lnSpc>
+                <a:spcPct val="100000"/>
+              </a:lnSpc>
+              <a:spcBef>
+                <a:spcPts val="0"/>
+              </a:spcBef>
+              <a:spcAft>
+                <a:spcPts val="0"/>
+              </a:spcAft>
+              <a:buClr>
+                <a:schemeClr val="dk1"/>
+              </a:buClr>
+              <a:buSzPts val="1400"/>
+              <a:buFont typeface="Squada One"/>
+              <a:buNone/>
+              <a:defRPr sz="1400" b="0" i="0" u="none" strike="noStrike" cap="none">
+                <a:solidFill>
+                  <a:schemeClr val="dk1"/>
+                </a:solidFill>
+                <a:latin typeface="Squada One"/>
+                <a:ea typeface="Squada One"/>
+                <a:cs typeface="Squada One"/>
+                <a:sym typeface="Squada One"/>
+              </a:defRPr>
+            </a:lvl7pPr>
+            <a:lvl8pPr marR="0" lvl="7" algn="r" rtl="0">
+              <a:lnSpc>
+                <a:spcPct val="100000"/>
+              </a:lnSpc>
+              <a:spcBef>
+                <a:spcPts val="0"/>
+              </a:spcBef>
+              <a:spcAft>
+                <a:spcPts val="0"/>
+              </a:spcAft>
+              <a:buClr>
+                <a:schemeClr val="dk1"/>
+              </a:buClr>
+              <a:buSzPts val="1400"/>
+              <a:buFont typeface="Squada One"/>
+              <a:buNone/>
+              <a:defRPr sz="1400" b="0" i="0" u="none" strike="noStrike" cap="none">
+                <a:solidFill>
+                  <a:schemeClr val="dk1"/>
+                </a:solidFill>
+                <a:latin typeface="Squada One"/>
+                <a:ea typeface="Squada One"/>
+                <a:cs typeface="Squada One"/>
+                <a:sym typeface="Squada One"/>
+              </a:defRPr>
+            </a:lvl8pPr>
+            <a:lvl9pPr marR="0" lvl="8" algn="r" rtl="0">
+              <a:lnSpc>
+                <a:spcPct val="100000"/>
+              </a:lnSpc>
+              <a:spcBef>
+                <a:spcPts val="0"/>
+              </a:spcBef>
+              <a:spcAft>
+                <a:spcPts val="0"/>
+              </a:spcAft>
+              <a:buClr>
+                <a:schemeClr val="dk1"/>
+              </a:buClr>
+              <a:buSzPts val="1400"/>
+              <a:buFont typeface="Squada One"/>
+              <a:buNone/>
+              <a:defRPr sz="1400" b="0" i="0" u="none" strike="noStrike" cap="none">
+                <a:solidFill>
+                  <a:schemeClr val="dk1"/>
+                </a:solidFill>
+                <a:latin typeface="Squada One"/>
+                <a:ea typeface="Squada One"/>
+                <a:cs typeface="Squada One"/>
+                <a:sym typeface="Squada One"/>
+              </a:defRPr>
+            </a:lvl9pPr>
+          </a:lstStyle>
+          <a:p>
+            <a:pPr algn="ctr"/>
+            <a:r>
+              <a:rPr lang="pt-PT" sz="1600" dirty="0"/>
+              <a:t>OBTENDO UM CÓDIGO O MAIS OTIMIZADO E SIMPLES POSSÍVEL</a:t>
+            </a:r>
+          </a:p>
+        </p:txBody>
+      </p:sp>
     </p:spTree>
     <p:extLst>
       <p:ext uri="{BB962C8B-B14F-4D97-AF65-F5344CB8AC3E}">
@@ -18669,7 +19704,7 @@
                             </p:stCondLst>
                             <p:childTnLst>
                               <p:par>
-                                <p:cTn id="5" presetID="10" presetClass="entr" presetSubtype="0" fill="hold" nodeType="clickEffect">
+                                <p:cTn id="5" presetID="1" presetClass="entr" presetSubtype="0" fill="hold" grpId="0" nodeType="clickEffect">
                                   <p:stCondLst>
                                     <p:cond delay="0"/>
                                   </p:stCondLst>
@@ -18692,11 +19727,213 @@
                                         <p:strVal val="visible"/>
                                       </p:to>
                                     </p:set>
+                                  </p:childTnLst>
+                                </p:cTn>
+                              </p:par>
+                              <p:par>
+                                <p:cTn id="7" presetID="10" presetClass="entr" presetSubtype="0" fill="hold" nodeType="withEffect">
+                                  <p:stCondLst>
+                                    <p:cond delay="0"/>
+                                  </p:stCondLst>
+                                  <p:childTnLst>
+                                    <p:set>
+                                      <p:cBhvr>
+                                        <p:cTn id="8" dur="1" fill="hold">
+                                          <p:stCondLst>
+                                            <p:cond delay="0"/>
+                                          </p:stCondLst>
+                                        </p:cTn>
+                                        <p:tgtEl>
+                                          <p:spTgt spid="5"/>
+                                        </p:tgtEl>
+                                        <p:attrNameLst>
+                                          <p:attrName>style.visibility</p:attrName>
+                                        </p:attrNameLst>
+                                      </p:cBhvr>
+                                      <p:to>
+                                        <p:strVal val="visible"/>
+                                      </p:to>
+                                    </p:set>
                                     <p:animEffect transition="in" filter="fade">
                                       <p:cBhvr>
-                                        <p:cTn id="7" dur="1000"/>
+                                        <p:cTn id="9" dur="1000"/>
                                         <p:tgtEl>
-                                          <p:spTgt spid="22"/>
+                                          <p:spTgt spid="5"/>
+                                        </p:tgtEl>
+                                      </p:cBhvr>
+                                    </p:animEffect>
+                                  </p:childTnLst>
+                                </p:cTn>
+                              </p:par>
+                              <p:par>
+                                <p:cTn id="10" presetID="10" presetClass="entr" presetSubtype="0" fill="hold" nodeType="withEffect">
+                                  <p:stCondLst>
+                                    <p:cond delay="0"/>
+                                  </p:stCondLst>
+                                  <p:childTnLst>
+                                    <p:set>
+                                      <p:cBhvr>
+                                        <p:cTn id="11" dur="1" fill="hold">
+                                          <p:stCondLst>
+                                            <p:cond delay="0"/>
+                                          </p:stCondLst>
+                                        </p:cTn>
+                                        <p:tgtEl>
+                                          <p:spTgt spid="6"/>
+                                        </p:tgtEl>
+                                        <p:attrNameLst>
+                                          <p:attrName>style.visibility</p:attrName>
+                                        </p:attrNameLst>
+                                      </p:cBhvr>
+                                      <p:to>
+                                        <p:strVal val="visible"/>
+                                      </p:to>
+                                    </p:set>
+                                    <p:animEffect transition="in" filter="fade">
+                                      <p:cBhvr>
+                                        <p:cTn id="12" dur="1000"/>
+                                        <p:tgtEl>
+                                          <p:spTgt spid="6"/>
+                                        </p:tgtEl>
+                                      </p:cBhvr>
+                                    </p:animEffect>
+                                  </p:childTnLst>
+                                </p:cTn>
+                              </p:par>
+                              <p:par>
+                                <p:cTn id="13" presetID="10" presetClass="entr" presetSubtype="0" fill="hold" nodeType="withEffect">
+                                  <p:stCondLst>
+                                    <p:cond delay="0"/>
+                                  </p:stCondLst>
+                                  <p:childTnLst>
+                                    <p:set>
+                                      <p:cBhvr>
+                                        <p:cTn id="14" dur="1" fill="hold">
+                                          <p:stCondLst>
+                                            <p:cond delay="0"/>
+                                          </p:stCondLst>
+                                        </p:cTn>
+                                        <p:tgtEl>
+                                          <p:spTgt spid="7"/>
+                                        </p:tgtEl>
+                                        <p:attrNameLst>
+                                          <p:attrName>style.visibility</p:attrName>
+                                        </p:attrNameLst>
+                                      </p:cBhvr>
+                                      <p:to>
+                                        <p:strVal val="visible"/>
+                                      </p:to>
+                                    </p:set>
+                                    <p:animEffect transition="in" filter="fade">
+                                      <p:cBhvr>
+                                        <p:cTn id="15" dur="1000"/>
+                                        <p:tgtEl>
+                                          <p:spTgt spid="7"/>
+                                        </p:tgtEl>
+                                      </p:cBhvr>
+                                    </p:animEffect>
+                                  </p:childTnLst>
+                                </p:cTn>
+                              </p:par>
+                              <p:par>
+                                <p:cTn id="16" presetID="10" presetClass="entr" presetSubtype="0" fill="hold" nodeType="withEffect">
+                                  <p:stCondLst>
+                                    <p:cond delay="0"/>
+                                  </p:stCondLst>
+                                  <p:childTnLst>
+                                    <p:set>
+                                      <p:cBhvr>
+                                        <p:cTn id="17" dur="1" fill="hold">
+                                          <p:stCondLst>
+                                            <p:cond delay="0"/>
+                                          </p:stCondLst>
+                                        </p:cTn>
+                                        <p:tgtEl>
+                                          <p:spTgt spid="8"/>
+                                        </p:tgtEl>
+                                        <p:attrNameLst>
+                                          <p:attrName>style.visibility</p:attrName>
+                                        </p:attrNameLst>
+                                      </p:cBhvr>
+                                      <p:to>
+                                        <p:strVal val="visible"/>
+                                      </p:to>
+                                    </p:set>
+                                    <p:animEffect transition="in" filter="fade">
+                                      <p:cBhvr>
+                                        <p:cTn id="18" dur="1000"/>
+                                        <p:tgtEl>
+                                          <p:spTgt spid="8"/>
+                                        </p:tgtEl>
+                                      </p:cBhvr>
+                                    </p:animEffect>
+                                  </p:childTnLst>
+                                </p:cTn>
+                              </p:par>
+                              <p:par>
+                                <p:cTn id="19" presetID="10" presetClass="entr" presetSubtype="0" fill="hold" nodeType="withEffect">
+                                  <p:stCondLst>
+                                    <p:cond delay="0"/>
+                                  </p:stCondLst>
+                                  <p:childTnLst>
+                                    <p:set>
+                                      <p:cBhvr>
+                                        <p:cTn id="20" dur="1" fill="hold">
+                                          <p:stCondLst>
+                                            <p:cond delay="0"/>
+                                          </p:stCondLst>
+                                        </p:cTn>
+                                        <p:tgtEl>
+                                          <p:spTgt spid="9"/>
+                                        </p:tgtEl>
+                                        <p:attrNameLst>
+                                          <p:attrName>style.visibility</p:attrName>
+                                        </p:attrNameLst>
+                                      </p:cBhvr>
+                                      <p:to>
+                                        <p:strVal val="visible"/>
+                                      </p:to>
+                                    </p:set>
+                                    <p:animEffect transition="in" filter="fade">
+                                      <p:cBhvr>
+                                        <p:cTn id="21" dur="1000"/>
+                                        <p:tgtEl>
+                                          <p:spTgt spid="9"/>
+                                        </p:tgtEl>
+                                      </p:cBhvr>
+                                    </p:animEffect>
+                                  </p:childTnLst>
+                                </p:cTn>
+                              </p:par>
+                              <p:par>
+                                <p:cTn id="22" presetID="10" presetClass="entr" presetSubtype="0" fill="hold" nodeType="withEffect">
+                                  <p:stCondLst>
+                                    <p:cond delay="0"/>
+                                  </p:stCondLst>
+                                  <p:childTnLst>
+                                    <p:set>
+                                      <p:cBhvr>
+                                        <p:cTn id="23" dur="1" fill="hold">
+                                          <p:stCondLst>
+                                            <p:cond delay="0"/>
+                                          </p:stCondLst>
+                                        </p:cTn>
+                                        <p:tgtEl>
+                                          <p:spTgt spid="11"/>
+                                        </p:tgtEl>
+                                        <p:attrNameLst>
+                                          <p:attrName>style.visibility</p:attrName>
+                                        </p:attrNameLst>
+                                      </p:cBhvr>
+                                      <p:to>
+                                        <p:strVal val="visible"/>
+                                      </p:to>
+                                    </p:set>
+                                    <p:animEffect transition="in" filter="fade">
+                                      <p:cBhvr>
+                                        <p:cTn id="24" dur="1000"/>
+                                        <p:tgtEl>
+                                          <p:spTgt spid="11"/>
                                         </p:tgtEl>
                                       </p:cBhvr>
                                     </p:animEffect>
@@ -18730,6 +19967,9 @@
         </p:cTn>
       </p:par>
     </p:tnLst>
+    <p:bldLst>
+      <p:bldP spid="22" grpId="0"/>
+    </p:bldLst>
   </p:timing>
 </p:sld>
 </file>
@@ -18828,10 +20068,10 @@
               <a:buNone/>
             </a:pPr>
             <a:r>
-              <a:rPr lang="en"/>
+              <a:rPr lang="en" dirty="0"/>
               <a:t>DEFINIÇÃO DA RESOLUÇÃO TEMPORAL</a:t>
             </a:r>
-            <a:endParaRPr/>
+            <a:endParaRPr dirty="0"/>
           </a:p>
         </p:txBody>
       </p:sp>
